--- a/申请/马爱莲-广告平台BU-国际业务部-产品技术组-申请职级T5.pptx
+++ b/申请/马爱莲-广告平台BU-国际业务部-产品技术组-申请职级T5.pptx
@@ -5,17 +5,18 @@
     <p:sldMasterId id="2147483695" r:id="rId1"/>
   </p:sldMasterIdLst>
   <p:notesMasterIdLst>
-    <p:notesMasterId r:id="rId10"/>
+    <p:notesMasterId r:id="rId11"/>
   </p:notesMasterIdLst>
   <p:sldIdLst>
     <p:sldId id="376" r:id="rId2"/>
-    <p:sldId id="436" r:id="rId3"/>
-    <p:sldId id="483" r:id="rId4"/>
-    <p:sldId id="484" r:id="rId5"/>
-    <p:sldId id="485" r:id="rId6"/>
-    <p:sldId id="480" r:id="rId7"/>
-    <p:sldId id="482" r:id="rId8"/>
-    <p:sldId id="424" r:id="rId9"/>
+    <p:sldId id="486" r:id="rId3"/>
+    <p:sldId id="436" r:id="rId4"/>
+    <p:sldId id="483" r:id="rId5"/>
+    <p:sldId id="484" r:id="rId6"/>
+    <p:sldId id="485" r:id="rId7"/>
+    <p:sldId id="480" r:id="rId8"/>
+    <p:sldId id="482" r:id="rId9"/>
+    <p:sldId id="424" r:id="rId10"/>
   </p:sldIdLst>
   <p:sldSz cx="9144000" cy="5715000" type="screen16x10"/>
   <p:notesSz cx="6858000" cy="9144000"/>
@@ -275,7 +276,7 @@
               <a:pPr>
                 <a:defRPr/>
               </a:pPr>
-              <a:t>2019/9/17</a:t>
+              <a:t>2019/9/18</a:t>
             </a:fld>
             <a:endParaRPr lang="zh-CN" altLang="en-US">
               <a:latin typeface="Arial" panose="020B0604020202020204" pitchFamily="34" charset="0"/>
@@ -309,14 +310,14 @@
           </a:ln>
           <a:extLst>
             <a:ext uri="{909E8E84-426E-40dd-AFC4-6F175D3DCCD1}">
-              <a14:hiddenFill xmlns="" xmlns:a14="http://schemas.microsoft.com/office/drawing/2010/main">
+              <a14:hiddenFill xmlns:a14="http://schemas.microsoft.com/office/drawing/2010/main" xmlns="">
                 <a:solidFill>
                   <a:srgbClr val="FFFFFF"/>
                 </a:solidFill>
               </a14:hiddenFill>
             </a:ext>
             <a:ext uri="{91240B29-F687-4f45-9708-019B960494DF}">
-              <a14:hiddenLine xmlns="" xmlns:a14="http://schemas.microsoft.com/office/drawing/2010/main" w="9525">
+              <a14:hiddenLine xmlns:a14="http://schemas.microsoft.com/office/drawing/2010/main" xmlns="" w="9525">
                 <a:solidFill>
                   <a:srgbClr val="000000"/>
                 </a:solidFill>
@@ -352,14 +353,14 @@
           </a:ln>
           <a:extLst>
             <a:ext uri="{909E8E84-426E-40dd-AFC4-6F175D3DCCD1}">
-              <a14:hiddenFill xmlns="" xmlns:a14="http://schemas.microsoft.com/office/drawing/2010/main">
+              <a14:hiddenFill xmlns:a14="http://schemas.microsoft.com/office/drawing/2010/main" xmlns="">
                 <a:solidFill>
                   <a:srgbClr val="FFFFFF"/>
                 </a:solidFill>
               </a14:hiddenFill>
             </a:ext>
             <a:ext uri="{91240B29-F687-4f45-9708-019B960494DF}">
-              <a14:hiddenLine xmlns="" xmlns:a14="http://schemas.microsoft.com/office/drawing/2010/main" w="9525">
+              <a14:hiddenLine xmlns:a14="http://schemas.microsoft.com/office/drawing/2010/main" xmlns="" w="9525">
                 <a:solidFill>
                   <a:srgbClr val="000000"/>
                 </a:solidFill>
@@ -842,7 +843,7 @@
               <a:pPr>
                 <a:defRPr/>
               </a:pPr>
-              <a:t>3</a:t>
+              <a:t>2</a:t>
             </a:fld>
             <a:endParaRPr lang="en-US" altLang="x-none">
               <a:latin typeface="Arial" panose="020B0604020202020204" pitchFamily="34" charset="0"/>
@@ -855,7 +856,7 @@
     </p:spTree>
     <p:extLst>
       <p:ext uri="{BB962C8B-B14F-4D97-AF65-F5344CB8AC3E}">
-        <p14:creationId xmlns:p14="http://schemas.microsoft.com/office/powerpoint/2010/main" val="808119067"/>
+        <p14:creationId xmlns:p14="http://schemas.microsoft.com/office/powerpoint/2010/main" val="845693074"/>
       </p:ext>
     </p:extLst>
   </p:cSld>
@@ -949,7 +950,7 @@
     </p:spTree>
     <p:extLst>
       <p:ext uri="{BB962C8B-B14F-4D97-AF65-F5344CB8AC3E}">
-        <p14:creationId xmlns:p14="http://schemas.microsoft.com/office/powerpoint/2010/main" val="1770907155"/>
+        <p14:creationId xmlns:p14="http://schemas.microsoft.com/office/powerpoint/2010/main" val="808119067"/>
       </p:ext>
     </p:extLst>
   </p:cSld>
@@ -1043,7 +1044,7 @@
     </p:spTree>
     <p:extLst>
       <p:ext uri="{BB962C8B-B14F-4D97-AF65-F5344CB8AC3E}">
-        <p14:creationId xmlns:p14="http://schemas.microsoft.com/office/powerpoint/2010/main" val="991794410"/>
+        <p14:creationId xmlns:p14="http://schemas.microsoft.com/office/powerpoint/2010/main" val="1770907155"/>
       </p:ext>
     </p:extLst>
   </p:cSld>
@@ -1137,7 +1138,7 @@
     </p:spTree>
     <p:extLst>
       <p:ext uri="{BB962C8B-B14F-4D97-AF65-F5344CB8AC3E}">
-        <p14:creationId xmlns:p14="http://schemas.microsoft.com/office/powerpoint/2010/main" val="3925076190"/>
+        <p14:creationId xmlns:p14="http://schemas.microsoft.com/office/powerpoint/2010/main" val="991794410"/>
       </p:ext>
     </p:extLst>
   </p:cSld>
@@ -1219,6 +1220,100 @@
                 <a:defRPr/>
               </a:pPr>
               <a:t>7</a:t>
+            </a:fld>
+            <a:endParaRPr lang="en-US" altLang="x-none">
+              <a:latin typeface="Arial" panose="020B0604020202020204" pitchFamily="34" charset="0"/>
+              <a:ea typeface="宋体" panose="02010600030101010101" pitchFamily="2" charset="-122"/>
+              <a:cs typeface="+mn-cs"/>
+            </a:endParaRPr>
+          </a:p>
+        </p:txBody>
+      </p:sp>
+    </p:spTree>
+    <p:extLst>
+      <p:ext uri="{BB962C8B-B14F-4D97-AF65-F5344CB8AC3E}">
+        <p14:creationId xmlns:p14="http://schemas.microsoft.com/office/powerpoint/2010/main" val="3925076190"/>
+      </p:ext>
+    </p:extLst>
+  </p:cSld>
+  <p:clrMapOvr>
+    <a:masterClrMapping/>
+  </p:clrMapOvr>
+</p:notes>
+</file>
+
+<file path=ppt/notesSlides/notesSlide7.xml><?xml version="1.0" encoding="utf-8"?>
+<p:notes xmlns:a="http://schemas.openxmlformats.org/drawingml/2006/main" xmlns:r="http://schemas.openxmlformats.org/officeDocument/2006/relationships" xmlns:p="http://schemas.openxmlformats.org/presentationml/2006/main">
+  <p:cSld>
+    <p:spTree>
+      <p:nvGrpSpPr>
+        <p:cNvPr id="1" name=""/>
+        <p:cNvGrpSpPr/>
+        <p:nvPr/>
+      </p:nvGrpSpPr>
+      <p:grpSpPr>
+        <a:xfrm>
+          <a:off x="0" y="0"/>
+          <a:ext cx="0" cy="0"/>
+          <a:chOff x="0" y="0"/>
+          <a:chExt cx="0" cy="0"/>
+        </a:xfrm>
+      </p:grpSpPr>
+      <p:sp>
+        <p:nvSpPr>
+          <p:cNvPr id="2" name="幻灯片图像占位符 1"/>
+          <p:cNvSpPr>
+            <a:spLocks noGrp="1" noRot="1" noChangeAspect="1"/>
+          </p:cNvSpPr>
+          <p:nvPr>
+            <p:ph type="sldImg"/>
+          </p:nvPr>
+        </p:nvSpPr>
+        <p:spPr/>
+      </p:sp>
+      <p:sp>
+        <p:nvSpPr>
+          <p:cNvPr id="3" name="备注占位符 2"/>
+          <p:cNvSpPr>
+            <a:spLocks noGrp="1"/>
+          </p:cNvSpPr>
+          <p:nvPr>
+            <p:ph type="body" idx="1"/>
+          </p:nvPr>
+        </p:nvSpPr>
+        <p:spPr/>
+        <p:txBody>
+          <a:bodyPr/>
+          <a:lstStyle/>
+          <a:p>
+            <a:endParaRPr lang="zh-CN" altLang="en-US" dirty="0"/>
+          </a:p>
+        </p:txBody>
+      </p:sp>
+      <p:sp>
+        <p:nvSpPr>
+          <p:cNvPr id="4" name="灯片编号占位符 3"/>
+          <p:cNvSpPr>
+            <a:spLocks noGrp="1"/>
+          </p:cNvSpPr>
+          <p:nvPr>
+            <p:ph type="sldNum" sz="quarter" idx="10"/>
+          </p:nvPr>
+        </p:nvSpPr>
+        <p:spPr/>
+        <p:txBody>
+          <a:bodyPr/>
+          <a:lstStyle/>
+          <a:p>
+            <a:pPr>
+              <a:defRPr/>
+            </a:pPr>
+            <a:fld id="{9384B2ED-2FD1-4D65-920D-A0DDF7916AB9}" type="slidenum">
+              <a:rPr lang="zh-CN" altLang="en-US" smtClean="0"/>
+              <a:pPr>
+                <a:defRPr/>
+              </a:pPr>
+              <a:t>8</a:t>
             </a:fld>
             <a:endParaRPr lang="en-US" altLang="x-none">
               <a:latin typeface="Arial" panose="020B0604020202020204" pitchFamily="34" charset="0"/>
@@ -1528,14 +1623,14 @@
           </a:ln>
           <a:extLst>
             <a:ext uri="{909E8E84-426E-40dd-AFC4-6F175D3DCCD1}">
-              <a14:hiddenFill xmlns="" xmlns:a14="http://schemas.microsoft.com/office/drawing/2010/main">
+              <a14:hiddenFill xmlns:a14="http://schemas.microsoft.com/office/drawing/2010/main" xmlns="">
                 <a:solidFill>
                   <a:srgbClr val="FFFFFF"/>
                 </a:solidFill>
               </a14:hiddenFill>
             </a:ext>
             <a:ext uri="{91240B29-F687-4f45-9708-019B960494DF}">
-              <a14:hiddenLine xmlns="" xmlns:a14="http://schemas.microsoft.com/office/drawing/2010/main" w="9525">
+              <a14:hiddenLine xmlns:a14="http://schemas.microsoft.com/office/drawing/2010/main" xmlns="" w="9525">
                 <a:solidFill>
                   <a:srgbClr val="000000"/>
                 </a:solidFill>
@@ -1726,7 +1821,7 @@
               <a:pPr>
                 <a:defRPr/>
               </a:pPr>
-              <a:t>2019/9/17</a:t>
+              <a:t>2019/9/18</a:t>
             </a:fld>
             <a:endParaRPr lang="zh-CN" altLang="en-US"/>
           </a:p>
@@ -1968,14 +2063,14 @@
           </a:ln>
           <a:extLst>
             <a:ext uri="{909E8E84-426E-40dd-AFC4-6F175D3DCCD1}">
-              <a14:hiddenFill xmlns="" xmlns:a14="http://schemas.microsoft.com/office/drawing/2010/main">
+              <a14:hiddenFill xmlns:a14="http://schemas.microsoft.com/office/drawing/2010/main" xmlns="">
                 <a:solidFill>
                   <a:srgbClr val="FFFFFF"/>
                 </a:solidFill>
               </a14:hiddenFill>
             </a:ext>
             <a:ext uri="{91240B29-F687-4f45-9708-019B960494DF}">
-              <a14:hiddenLine xmlns="" xmlns:a14="http://schemas.microsoft.com/office/drawing/2010/main" w="9525">
+              <a14:hiddenLine xmlns:a14="http://schemas.microsoft.com/office/drawing/2010/main" xmlns="" w="9525">
                 <a:solidFill>
                   <a:srgbClr val="000000"/>
                 </a:solidFill>
@@ -2808,6 +2903,650 @@
       </p:grpSpPr>
       <p:sp>
         <p:nvSpPr>
+          <p:cNvPr id="18" name="矩形 17"/>
+          <p:cNvSpPr/>
+          <p:nvPr/>
+        </p:nvSpPr>
+        <p:spPr>
+          <a:xfrm>
+            <a:off x="2238988" y="1699840"/>
+            <a:ext cx="4819035" cy="3194721"/>
+          </a:xfrm>
+          <a:prstGeom prst="rect">
+            <a:avLst/>
+          </a:prstGeom>
+        </p:spPr>
+        <p:txBody>
+          <a:bodyPr wrap="square">
+            <a:spAutoFit/>
+          </a:bodyPr>
+          <a:lstStyle/>
+          <a:p>
+            <a:pPr algn="just">
+              <a:lnSpc>
+                <a:spcPct val="180000"/>
+              </a:lnSpc>
+              <a:spcAft>
+                <a:spcPts val="0"/>
+              </a:spcAft>
+            </a:pPr>
+            <a:r>
+              <a:rPr lang="zh-CN" altLang="en-US" sz="1400" kern="100" dirty="0" smtClean="0">
+                <a:solidFill>
+                  <a:schemeClr val="tx1">
+                    <a:lumMod val="75000"/>
+                    <a:lumOff val="25000"/>
+                  </a:schemeClr>
+                </a:solidFill>
+                <a:latin typeface="Microsoft JhengHei" panose="020B0604030504040204" pitchFamily="34" charset="-120"/>
+                <a:ea typeface="Microsoft JhengHei" panose="020B0604030504040204" pitchFamily="34" charset="-120"/>
+                <a:cs typeface="Times New Roman" panose="02020603050405020304" pitchFamily="18" charset="0"/>
+              </a:rPr>
+              <a:t>个人基本信息</a:t>
+            </a:r>
+            <a:endParaRPr lang="en-US" altLang="zh-CN" sz="1400" kern="100" dirty="0" smtClean="0">
+              <a:solidFill>
+                <a:schemeClr val="tx1">
+                  <a:lumMod val="75000"/>
+                  <a:lumOff val="25000"/>
+                </a:schemeClr>
+              </a:solidFill>
+              <a:latin typeface="Microsoft JhengHei" panose="020B0604030504040204" pitchFamily="34" charset="-120"/>
+              <a:ea typeface="Microsoft JhengHei" panose="020B0604030504040204" pitchFamily="34" charset="-120"/>
+              <a:cs typeface="Times New Roman" panose="02020603050405020304" pitchFamily="18" charset="0"/>
+            </a:endParaRPr>
+          </a:p>
+          <a:p>
+            <a:pPr algn="just">
+              <a:lnSpc>
+                <a:spcPct val="180000"/>
+              </a:lnSpc>
+              <a:spcAft>
+                <a:spcPts val="0"/>
+              </a:spcAft>
+            </a:pPr>
+            <a:endParaRPr lang="en-US" altLang="zh-CN" sz="1400" kern="100" dirty="0" smtClean="0">
+              <a:solidFill>
+                <a:schemeClr val="tx1">
+                  <a:lumMod val="75000"/>
+                  <a:lumOff val="25000"/>
+                </a:schemeClr>
+              </a:solidFill>
+              <a:latin typeface="Microsoft JhengHei" panose="020B0604030504040204" pitchFamily="34" charset="-120"/>
+              <a:ea typeface="Microsoft JhengHei" panose="020B0604030504040204" pitchFamily="34" charset="-120"/>
+              <a:cs typeface="Times New Roman" panose="02020603050405020304" pitchFamily="18" charset="0"/>
+            </a:endParaRPr>
+          </a:p>
+          <a:p>
+            <a:pPr algn="just">
+              <a:lnSpc>
+                <a:spcPct val="180000"/>
+              </a:lnSpc>
+              <a:spcAft>
+                <a:spcPts val="0"/>
+              </a:spcAft>
+            </a:pPr>
+            <a:r>
+              <a:rPr lang="zh-CN" altLang="en-US" sz="1400" kern="100" dirty="0" smtClean="0">
+                <a:solidFill>
+                  <a:schemeClr val="tx1">
+                    <a:lumMod val="75000"/>
+                    <a:lumOff val="25000"/>
+                  </a:schemeClr>
+                </a:solidFill>
+                <a:latin typeface="Microsoft JhengHei" panose="020B0604030504040204" pitchFamily="34" charset="-120"/>
+                <a:ea typeface="Microsoft JhengHei" panose="020B0604030504040204" pitchFamily="34" charset="-120"/>
+                <a:cs typeface="Times New Roman" panose="02020603050405020304" pitchFamily="18" charset="0"/>
+              </a:rPr>
+              <a:t>工作经历</a:t>
+            </a:r>
+            <a:r>
+              <a:rPr lang="en-US" altLang="zh-CN" sz="1400" kern="100" dirty="0" smtClean="0">
+                <a:solidFill>
+                  <a:schemeClr val="tx1">
+                    <a:lumMod val="75000"/>
+                    <a:lumOff val="25000"/>
+                  </a:schemeClr>
+                </a:solidFill>
+                <a:latin typeface="Microsoft JhengHei" panose="020B0604030504040204" pitchFamily="34" charset="-120"/>
+                <a:ea typeface="Microsoft JhengHei" panose="020B0604030504040204" pitchFamily="34" charset="-120"/>
+                <a:cs typeface="Times New Roman" panose="02020603050405020304" pitchFamily="18" charset="0"/>
+              </a:rPr>
+              <a:t>/</a:t>
+            </a:r>
+            <a:r>
+              <a:rPr lang="zh-CN" altLang="en-US" sz="1400" kern="100" dirty="0" smtClean="0">
+                <a:solidFill>
+                  <a:schemeClr val="tx1">
+                    <a:lumMod val="75000"/>
+                    <a:lumOff val="25000"/>
+                  </a:schemeClr>
+                </a:solidFill>
+                <a:latin typeface="Microsoft JhengHei" panose="020B0604030504040204" pitchFamily="34" charset="-120"/>
+                <a:ea typeface="Microsoft JhengHei" panose="020B0604030504040204" pitchFamily="34" charset="-120"/>
+                <a:cs typeface="Times New Roman" panose="02020603050405020304" pitchFamily="18" charset="0"/>
+              </a:rPr>
+              <a:t>业绩</a:t>
+            </a:r>
+            <a:r>
+              <a:rPr lang="en-US" altLang="zh-CN" sz="1400" kern="100" dirty="0" smtClean="0">
+                <a:solidFill>
+                  <a:schemeClr val="tx1">
+                    <a:lumMod val="75000"/>
+                    <a:lumOff val="25000"/>
+                  </a:schemeClr>
+                </a:solidFill>
+                <a:latin typeface="Microsoft JhengHei" panose="020B0604030504040204" pitchFamily="34" charset="-120"/>
+                <a:ea typeface="Microsoft JhengHei" panose="020B0604030504040204" pitchFamily="34" charset="-120"/>
+                <a:cs typeface="Times New Roman" panose="02020603050405020304" pitchFamily="18" charset="0"/>
+              </a:rPr>
+              <a:t>/</a:t>
+            </a:r>
+            <a:r>
+              <a:rPr lang="zh-CN" altLang="en-US" sz="1400" kern="100" dirty="0" smtClean="0">
+                <a:solidFill>
+                  <a:schemeClr val="tx1">
+                    <a:lumMod val="75000"/>
+                    <a:lumOff val="25000"/>
+                  </a:schemeClr>
+                </a:solidFill>
+                <a:latin typeface="Microsoft JhengHei" panose="020B0604030504040204" pitchFamily="34" charset="-120"/>
+                <a:ea typeface="Microsoft JhengHei" panose="020B0604030504040204" pitchFamily="34" charset="-120"/>
+                <a:cs typeface="Times New Roman" panose="02020603050405020304" pitchFamily="18" charset="0"/>
+              </a:rPr>
+              <a:t>关键事件</a:t>
+            </a:r>
+            <a:endParaRPr lang="en-US" altLang="zh-CN" sz="1400" kern="100" dirty="0" smtClean="0">
+              <a:solidFill>
+                <a:schemeClr val="tx1">
+                  <a:lumMod val="75000"/>
+                  <a:lumOff val="25000"/>
+                </a:schemeClr>
+              </a:solidFill>
+              <a:latin typeface="Microsoft JhengHei" panose="020B0604030504040204" pitchFamily="34" charset="-120"/>
+              <a:ea typeface="Microsoft JhengHei" panose="020B0604030504040204" pitchFamily="34" charset="-120"/>
+              <a:cs typeface="Times New Roman" panose="02020603050405020304" pitchFamily="18" charset="0"/>
+            </a:endParaRPr>
+          </a:p>
+          <a:p>
+            <a:pPr algn="just">
+              <a:lnSpc>
+                <a:spcPct val="180000"/>
+              </a:lnSpc>
+              <a:spcAft>
+                <a:spcPts val="0"/>
+              </a:spcAft>
+            </a:pPr>
+            <a:endParaRPr lang="en-US" altLang="zh-CN" sz="1400" kern="100" dirty="0" smtClean="0">
+              <a:solidFill>
+                <a:schemeClr val="tx1">
+                  <a:lumMod val="75000"/>
+                  <a:lumOff val="25000"/>
+                </a:schemeClr>
+              </a:solidFill>
+              <a:latin typeface="Microsoft JhengHei" panose="020B0604030504040204" pitchFamily="34" charset="-120"/>
+              <a:ea typeface="Microsoft JhengHei" panose="020B0604030504040204" pitchFamily="34" charset="-120"/>
+              <a:cs typeface="Times New Roman" panose="02020603050405020304" pitchFamily="18" charset="0"/>
+            </a:endParaRPr>
+          </a:p>
+          <a:p>
+            <a:pPr algn="just">
+              <a:lnSpc>
+                <a:spcPct val="180000"/>
+              </a:lnSpc>
+              <a:spcAft>
+                <a:spcPts val="0"/>
+              </a:spcAft>
+            </a:pPr>
+            <a:r>
+              <a:rPr lang="zh-CN" altLang="en-US" sz="1400" kern="100" dirty="0" smtClean="0">
+                <a:solidFill>
+                  <a:schemeClr val="tx1">
+                    <a:lumMod val="75000"/>
+                    <a:lumOff val="25000"/>
+                  </a:schemeClr>
+                </a:solidFill>
+                <a:latin typeface="Microsoft JhengHei" panose="020B0604030504040204" pitchFamily="34" charset="-120"/>
+                <a:ea typeface="Microsoft JhengHei" panose="020B0604030504040204" pitchFamily="34" charset="-120"/>
+                <a:cs typeface="Times New Roman" panose="02020603050405020304" pitchFamily="18" charset="0"/>
+              </a:rPr>
+              <a:t>个人</a:t>
+            </a:r>
+            <a:r>
+              <a:rPr lang="en-US" altLang="zh-CN" sz="1400" kern="100" dirty="0" smtClean="0">
+                <a:solidFill>
+                  <a:schemeClr val="tx1">
+                    <a:lumMod val="75000"/>
+                    <a:lumOff val="25000"/>
+                  </a:schemeClr>
+                </a:solidFill>
+                <a:latin typeface="Microsoft JhengHei" panose="020B0604030504040204" pitchFamily="34" charset="-120"/>
+                <a:ea typeface="Microsoft JhengHei" panose="020B0604030504040204" pitchFamily="34" charset="-120"/>
+                <a:cs typeface="Times New Roman" panose="02020603050405020304" pitchFamily="18" charset="0"/>
+              </a:rPr>
+              <a:t>/</a:t>
+            </a:r>
+            <a:r>
+              <a:rPr lang="zh-CN" altLang="en-US" sz="1400" kern="100" dirty="0" smtClean="0">
+                <a:solidFill>
+                  <a:schemeClr val="tx1">
+                    <a:lumMod val="75000"/>
+                    <a:lumOff val="25000"/>
+                  </a:schemeClr>
+                </a:solidFill>
+                <a:latin typeface="Microsoft JhengHei" panose="020B0604030504040204" pitchFamily="34" charset="-120"/>
+                <a:ea typeface="Microsoft JhengHei" panose="020B0604030504040204" pitchFamily="34" charset="-120"/>
+                <a:cs typeface="Times New Roman" panose="02020603050405020304" pitchFamily="18" charset="0"/>
+              </a:rPr>
+              <a:t>工作规划</a:t>
+            </a:r>
+            <a:endParaRPr lang="en-US" altLang="zh-CN" sz="1400" kern="100" dirty="0" smtClean="0">
+              <a:solidFill>
+                <a:schemeClr val="tx1">
+                  <a:lumMod val="75000"/>
+                  <a:lumOff val="25000"/>
+                </a:schemeClr>
+              </a:solidFill>
+              <a:latin typeface="Microsoft JhengHei" panose="020B0604030504040204" pitchFamily="34" charset="-120"/>
+              <a:ea typeface="Microsoft JhengHei" panose="020B0604030504040204" pitchFamily="34" charset="-120"/>
+              <a:cs typeface="Times New Roman" panose="02020603050405020304" pitchFamily="18" charset="0"/>
+            </a:endParaRPr>
+          </a:p>
+          <a:p>
+            <a:pPr algn="just">
+              <a:lnSpc>
+                <a:spcPct val="180000"/>
+              </a:lnSpc>
+              <a:spcAft>
+                <a:spcPts val="0"/>
+              </a:spcAft>
+            </a:pPr>
+            <a:endParaRPr lang="en-US" altLang="zh-CN" sz="1400" kern="100" dirty="0">
+              <a:solidFill>
+                <a:schemeClr val="tx1">
+                  <a:lumMod val="75000"/>
+                  <a:lumOff val="25000"/>
+                </a:schemeClr>
+              </a:solidFill>
+              <a:latin typeface="Microsoft JhengHei" panose="020B0604030504040204" pitchFamily="34" charset="-120"/>
+              <a:ea typeface="Microsoft JhengHei" panose="020B0604030504040204" pitchFamily="34" charset="-120"/>
+              <a:cs typeface="Times New Roman" panose="02020603050405020304" pitchFamily="18" charset="0"/>
+            </a:endParaRPr>
+          </a:p>
+          <a:p>
+            <a:pPr algn="just">
+              <a:lnSpc>
+                <a:spcPct val="180000"/>
+              </a:lnSpc>
+              <a:spcAft>
+                <a:spcPts val="0"/>
+              </a:spcAft>
+            </a:pPr>
+            <a:r>
+              <a:rPr lang="zh-CN" altLang="en-US" sz="1400" kern="100" dirty="0" smtClean="0">
+                <a:solidFill>
+                  <a:schemeClr val="tx1">
+                    <a:lumMod val="75000"/>
+                    <a:lumOff val="25000"/>
+                  </a:schemeClr>
+                </a:solidFill>
+                <a:latin typeface="Microsoft JhengHei" panose="020B0604030504040204" pitchFamily="34" charset="-120"/>
+                <a:ea typeface="Microsoft JhengHei" panose="020B0604030504040204" pitchFamily="34" charset="-120"/>
+                <a:cs typeface="Times New Roman" panose="02020603050405020304" pitchFamily="18" charset="0"/>
+              </a:rPr>
+              <a:t>问答</a:t>
+            </a:r>
+            <a:endParaRPr lang="en-US" altLang="zh-CN" sz="1400" kern="100" dirty="0">
+              <a:solidFill>
+                <a:schemeClr val="tx1">
+                  <a:lumMod val="75000"/>
+                  <a:lumOff val="25000"/>
+                </a:schemeClr>
+              </a:solidFill>
+              <a:latin typeface="Microsoft JhengHei" panose="020B0604030504040204" pitchFamily="34" charset="-120"/>
+              <a:ea typeface="Microsoft JhengHei" panose="020B0604030504040204" pitchFamily="34" charset="-120"/>
+              <a:cs typeface="Times New Roman" panose="02020603050405020304" pitchFamily="18" charset="0"/>
+            </a:endParaRPr>
+          </a:p>
+          <a:p>
+            <a:pPr algn="just">
+              <a:lnSpc>
+                <a:spcPct val="180000"/>
+              </a:lnSpc>
+              <a:spcAft>
+                <a:spcPts val="0"/>
+              </a:spcAft>
+            </a:pPr>
+            <a:endParaRPr lang="en-US" altLang="zh-CN" sz="1400" kern="100" dirty="0">
+              <a:solidFill>
+                <a:schemeClr val="tx1">
+                  <a:lumMod val="75000"/>
+                  <a:lumOff val="25000"/>
+                </a:schemeClr>
+              </a:solidFill>
+              <a:latin typeface="Microsoft JhengHei" panose="020B0604030504040204" pitchFamily="34" charset="-120"/>
+              <a:ea typeface="Microsoft JhengHei" panose="020B0604030504040204" pitchFamily="34" charset="-120"/>
+              <a:cs typeface="Times New Roman" panose="02020603050405020304" pitchFamily="18" charset="0"/>
+            </a:endParaRPr>
+          </a:p>
+        </p:txBody>
+      </p:sp>
+      <p:sp>
+        <p:nvSpPr>
+          <p:cNvPr id="19" name="标题 1"/>
+          <p:cNvSpPr txBox="1">
+            <a:spLocks/>
+          </p:cNvSpPr>
+          <p:nvPr/>
+        </p:nvSpPr>
+        <p:spPr>
+          <a:xfrm>
+            <a:off x="489886" y="425386"/>
+            <a:ext cx="4044014" cy="540555"/>
+          </a:xfrm>
+          <a:prstGeom prst="rect">
+            <a:avLst/>
+          </a:prstGeom>
+        </p:spPr>
+        <p:txBody>
+          <a:bodyPr/>
+          <a:lstStyle>
+            <a:lvl1pPr algn="l" defTabSz="685800" rtl="0" eaLnBrk="1" latinLnBrk="0" hangingPunct="1">
+              <a:lnSpc>
+                <a:spcPct val="90000"/>
+              </a:lnSpc>
+              <a:spcBef>
+                <a:spcPct val="0"/>
+              </a:spcBef>
+              <a:buNone/>
+              <a:defRPr sz="2400" b="1" kern="1200">
+                <a:solidFill>
+                  <a:schemeClr val="tx1">
+                    <a:lumMod val="75000"/>
+                    <a:lumOff val="25000"/>
+                  </a:schemeClr>
+                </a:solidFill>
+                <a:latin typeface="微软雅黑" panose="020B0503020204020204" pitchFamily="34" charset="-122"/>
+                <a:ea typeface="微软雅黑" panose="020B0503020204020204" pitchFamily="34" charset="-122"/>
+                <a:cs typeface="+mj-cs"/>
+              </a:defRPr>
+            </a:lvl1pPr>
+          </a:lstStyle>
+          <a:p>
+            <a:r>
+              <a:rPr lang="zh-CN" altLang="en-US" dirty="0" smtClean="0"/>
+              <a:t>目录</a:t>
+            </a:r>
+            <a:endParaRPr lang="zh-CN" altLang="en-US" dirty="0"/>
+          </a:p>
+        </p:txBody>
+      </p:sp>
+      <p:grpSp>
+        <p:nvGrpSpPr>
+          <p:cNvPr id="21" name="组合 20"/>
+          <p:cNvGrpSpPr/>
+          <p:nvPr/>
+        </p:nvGrpSpPr>
+        <p:grpSpPr>
+          <a:xfrm>
+            <a:off x="2015149" y="1718889"/>
+            <a:ext cx="5042876" cy="2735094"/>
+            <a:chOff x="2015149" y="1718889"/>
+            <a:chExt cx="4669020" cy="2735094"/>
+          </a:xfrm>
+        </p:grpSpPr>
+        <p:sp>
+          <p:nvSpPr>
+            <p:cNvPr id="26" name="矩形 25"/>
+            <p:cNvSpPr/>
+            <p:nvPr/>
+          </p:nvSpPr>
+          <p:spPr>
+            <a:xfrm>
+              <a:off x="2015150" y="1718889"/>
+              <a:ext cx="4669019" cy="436142"/>
+            </a:xfrm>
+            <a:prstGeom prst="rect">
+              <a:avLst/>
+            </a:prstGeom>
+            <a:noFill/>
+            <a:ln w="19050">
+              <a:solidFill>
+                <a:schemeClr val="accent1"/>
+              </a:solidFill>
+            </a:ln>
+            <a:effectLst>
+              <a:outerShdw blurRad="50800" dist="38100" dir="5400000" algn="t" rotWithShape="0">
+                <a:prstClr val="black">
+                  <a:alpha val="40000"/>
+                </a:prstClr>
+              </a:outerShdw>
+            </a:effectLst>
+          </p:spPr>
+          <p:style>
+            <a:lnRef idx="2">
+              <a:schemeClr val="accent1">
+                <a:shade val="50000"/>
+              </a:schemeClr>
+            </a:lnRef>
+            <a:fillRef idx="1">
+              <a:schemeClr val="accent1"/>
+            </a:fillRef>
+            <a:effectRef idx="0">
+              <a:schemeClr val="accent1"/>
+            </a:effectRef>
+            <a:fontRef idx="minor">
+              <a:schemeClr val="lt1"/>
+            </a:fontRef>
+          </p:style>
+          <p:txBody>
+            <a:bodyPr rtlCol="0" anchor="ctr"/>
+            <a:lstStyle/>
+            <a:p>
+              <a:pPr algn="ctr"/>
+              <a:endParaRPr lang="zh-CN" altLang="en-US"/>
+            </a:p>
+          </p:txBody>
+        </p:sp>
+        <p:sp>
+          <p:nvSpPr>
+            <p:cNvPr id="27" name="矩形 26"/>
+            <p:cNvSpPr/>
+            <p:nvPr/>
+          </p:nvSpPr>
+          <p:spPr>
+            <a:xfrm>
+              <a:off x="2015149" y="2493268"/>
+              <a:ext cx="4669019" cy="436142"/>
+            </a:xfrm>
+            <a:prstGeom prst="rect">
+              <a:avLst/>
+            </a:prstGeom>
+            <a:noFill/>
+            <a:ln w="19050">
+              <a:solidFill>
+                <a:schemeClr val="accent1"/>
+              </a:solidFill>
+            </a:ln>
+            <a:effectLst>
+              <a:outerShdw blurRad="50800" dist="38100" dir="5400000" algn="t" rotWithShape="0">
+                <a:prstClr val="black">
+                  <a:alpha val="40000"/>
+                </a:prstClr>
+              </a:outerShdw>
+            </a:effectLst>
+          </p:spPr>
+          <p:style>
+            <a:lnRef idx="2">
+              <a:schemeClr val="accent1">
+                <a:shade val="50000"/>
+              </a:schemeClr>
+            </a:lnRef>
+            <a:fillRef idx="1">
+              <a:schemeClr val="accent1"/>
+            </a:fillRef>
+            <a:effectRef idx="0">
+              <a:schemeClr val="accent1"/>
+            </a:effectRef>
+            <a:fontRef idx="minor">
+              <a:schemeClr val="lt1"/>
+            </a:fontRef>
+          </p:style>
+          <p:txBody>
+            <a:bodyPr rtlCol="0" anchor="ctr"/>
+            <a:lstStyle/>
+            <a:p>
+              <a:pPr algn="ctr"/>
+              <a:endParaRPr lang="zh-CN" altLang="en-US"/>
+            </a:p>
+          </p:txBody>
+        </p:sp>
+        <p:sp>
+          <p:nvSpPr>
+            <p:cNvPr id="28" name="矩形 27"/>
+            <p:cNvSpPr/>
+            <p:nvPr/>
+          </p:nvSpPr>
+          <p:spPr>
+            <a:xfrm>
+              <a:off x="2015150" y="3268651"/>
+              <a:ext cx="4669019" cy="436142"/>
+            </a:xfrm>
+            <a:prstGeom prst="rect">
+              <a:avLst/>
+            </a:prstGeom>
+            <a:noFill/>
+            <a:ln w="19050">
+              <a:solidFill>
+                <a:schemeClr val="accent1"/>
+              </a:solidFill>
+            </a:ln>
+            <a:effectLst>
+              <a:outerShdw blurRad="50800" dist="38100" dir="5400000" algn="t" rotWithShape="0">
+                <a:prstClr val="black">
+                  <a:alpha val="40000"/>
+                </a:prstClr>
+              </a:outerShdw>
+            </a:effectLst>
+          </p:spPr>
+          <p:style>
+            <a:lnRef idx="2">
+              <a:schemeClr val="accent1">
+                <a:shade val="50000"/>
+              </a:schemeClr>
+            </a:lnRef>
+            <a:fillRef idx="1">
+              <a:schemeClr val="accent1"/>
+            </a:fillRef>
+            <a:effectRef idx="0">
+              <a:schemeClr val="accent1"/>
+            </a:effectRef>
+            <a:fontRef idx="minor">
+              <a:schemeClr val="lt1"/>
+            </a:fontRef>
+          </p:style>
+          <p:txBody>
+            <a:bodyPr rtlCol="0" anchor="ctr"/>
+            <a:lstStyle/>
+            <a:p>
+              <a:pPr algn="ctr"/>
+              <a:endParaRPr lang="zh-CN" altLang="en-US"/>
+            </a:p>
+          </p:txBody>
+        </p:sp>
+        <p:sp>
+          <p:nvSpPr>
+            <p:cNvPr id="29" name="矩形 28"/>
+            <p:cNvSpPr/>
+            <p:nvPr/>
+          </p:nvSpPr>
+          <p:spPr>
+            <a:xfrm>
+              <a:off x="2015150" y="4017841"/>
+              <a:ext cx="4669019" cy="436142"/>
+            </a:xfrm>
+            <a:prstGeom prst="rect">
+              <a:avLst/>
+            </a:prstGeom>
+            <a:noFill/>
+            <a:ln w="19050">
+              <a:solidFill>
+                <a:schemeClr val="accent1"/>
+              </a:solidFill>
+            </a:ln>
+            <a:effectLst>
+              <a:outerShdw blurRad="50800" dist="38100" dir="5400000" algn="t" rotWithShape="0">
+                <a:prstClr val="black">
+                  <a:alpha val="40000"/>
+                </a:prstClr>
+              </a:outerShdw>
+            </a:effectLst>
+          </p:spPr>
+          <p:style>
+            <a:lnRef idx="2">
+              <a:schemeClr val="accent1">
+                <a:shade val="50000"/>
+              </a:schemeClr>
+            </a:lnRef>
+            <a:fillRef idx="1">
+              <a:schemeClr val="accent1"/>
+            </a:fillRef>
+            <a:effectRef idx="0">
+              <a:schemeClr val="accent1"/>
+            </a:effectRef>
+            <a:fontRef idx="minor">
+              <a:schemeClr val="lt1"/>
+            </a:fontRef>
+          </p:style>
+          <p:txBody>
+            <a:bodyPr rtlCol="0" anchor="ctr"/>
+            <a:lstStyle/>
+            <a:p>
+              <a:pPr algn="ctr"/>
+              <a:endParaRPr lang="zh-CN" altLang="en-US"/>
+            </a:p>
+          </p:txBody>
+        </p:sp>
+      </p:grpSp>
+    </p:spTree>
+    <p:extLst>
+      <p:ext uri="{BB962C8B-B14F-4D97-AF65-F5344CB8AC3E}">
+        <p14:creationId xmlns:p14="http://schemas.microsoft.com/office/powerpoint/2010/main" val="1423698964"/>
+      </p:ext>
+    </p:extLst>
+  </p:cSld>
+  <p:clrMapOvr>
+    <a:masterClrMapping/>
+  </p:clrMapOvr>
+  <p:timing>
+    <p:tnLst>
+      <p:par>
+        <p:cTn id="1" dur="indefinite" restart="never" nodeType="tmRoot"/>
+      </p:par>
+    </p:tnLst>
+  </p:timing>
+</p:sld>
+</file>
+
+<file path=ppt/slides/slide3.xml><?xml version="1.0" encoding="utf-8"?>
+<p:sld xmlns:a="http://schemas.openxmlformats.org/drawingml/2006/main" xmlns:r="http://schemas.openxmlformats.org/officeDocument/2006/relationships" xmlns:p="http://schemas.openxmlformats.org/presentationml/2006/main">
+  <p:cSld>
+    <p:spTree>
+      <p:nvGrpSpPr>
+        <p:cNvPr id="1" name=""/>
+        <p:cNvGrpSpPr/>
+        <p:nvPr/>
+      </p:nvGrpSpPr>
+      <p:grpSpPr>
+        <a:xfrm>
+          <a:off x="0" y="0"/>
+          <a:ext cx="0" cy="0"/>
+          <a:chOff x="0" y="0"/>
+          <a:chExt cx="0" cy="0"/>
+        </a:xfrm>
+      </p:grpSpPr>
+      <p:sp>
+        <p:nvSpPr>
           <p:cNvPr id="7" name="标题 1"/>
           <p:cNvSpPr txBox="1">
             <a:spLocks/>
@@ -2867,7 +3606,7 @@
         </p:nvSpPr>
         <p:spPr>
           <a:xfrm>
-            <a:off x="531809" y="1947914"/>
+            <a:off x="1237209" y="1947914"/>
             <a:ext cx="1771996" cy="988156"/>
           </a:xfrm>
           <a:prstGeom prst="rect">
@@ -3184,7 +3923,7 @@
         </p:nvSpPr>
         <p:spPr>
           <a:xfrm>
-            <a:off x="457496" y="3962690"/>
+            <a:off x="1093229" y="3962690"/>
             <a:ext cx="2547503" cy="1015663"/>
           </a:xfrm>
           <a:prstGeom prst="rect">
@@ -3424,7 +4163,7 @@
               <a:buChar char="•"/>
             </a:pPr>
             <a:r>
-              <a:rPr lang="zh-CN" altLang="en-US" sz="1000" dirty="0" smtClean="0">
+              <a:rPr lang="zh-CN" altLang="en-US" sz="1000" dirty="0">
                 <a:solidFill>
                   <a:schemeClr val="tx1">
                     <a:lumMod val="75000"/>
@@ -3434,7 +4173,20 @@
                 <a:latin typeface="Microsoft YaHei UI Light" panose="020B0502040204020203" pitchFamily="34" charset="-122"/>
                 <a:ea typeface="Microsoft YaHei UI Light" panose="020B0502040204020203" pitchFamily="34" charset="-122"/>
               </a:rPr>
-              <a:t>发现问题，改进产品</a:t>
+              <a:t>对业务价值</a:t>
+            </a:r>
+            <a:r>
+              <a:rPr lang="zh-CN" altLang="en-US" sz="1000" dirty="0" smtClean="0">
+                <a:solidFill>
+                  <a:schemeClr val="tx1">
+                    <a:lumMod val="75000"/>
+                    <a:lumOff val="25000"/>
+                  </a:schemeClr>
+                </a:solidFill>
+                <a:latin typeface="Microsoft YaHei UI Light" panose="020B0502040204020203" pitchFamily="34" charset="-122"/>
+                <a:ea typeface="Microsoft YaHei UI Light" panose="020B0502040204020203" pitchFamily="34" charset="-122"/>
+              </a:rPr>
+              <a:t>负责，改进产品</a:t>
             </a:r>
             <a:endParaRPr lang="en-US" altLang="zh-CN" sz="1000" dirty="0" smtClean="0">
               <a:solidFill>
@@ -3537,12 +4289,12 @@
           <a:effectLst/>
           <a:extLst>
             <a:ext uri="{909E8E84-426E-40dd-AFC4-6F175D3DCCD1}">
-              <a14:hiddenFill xmlns:a14="http://schemas.microsoft.com/office/drawing/2010/main" xmlns="">
+              <a14:hiddenFill xmlns="" xmlns:a14="http://schemas.microsoft.com/office/drawing/2010/main">
                 <a:noFill/>
               </a14:hiddenFill>
             </a:ext>
             <a:ext uri="{AF507438-7753-43e0-B8FC-AC1667EBCBE1}">
-              <a14:hiddenEffects xmlns:a14="http://schemas.microsoft.com/office/drawing/2010/main" xmlns="">
+              <a14:hiddenEffects xmlns="" xmlns:a14="http://schemas.microsoft.com/office/drawing/2010/main">
                 <a:effectLst>
                   <a:outerShdw dist="35921" dir="2700000" algn="ctr" rotWithShape="0">
                     <a:srgbClr val="808080"/>
@@ -3591,12 +4343,12 @@
           <a:effectLst/>
           <a:extLst>
             <a:ext uri="{909E8E84-426E-40dd-AFC4-6F175D3DCCD1}">
-              <a14:hiddenFill xmlns:a14="http://schemas.microsoft.com/office/drawing/2010/main" xmlns="">
+              <a14:hiddenFill xmlns="" xmlns:a14="http://schemas.microsoft.com/office/drawing/2010/main">
                 <a:noFill/>
               </a14:hiddenFill>
             </a:ext>
             <a:ext uri="{AF507438-7753-43e0-B8FC-AC1667EBCBE1}">
-              <a14:hiddenEffects xmlns:a14="http://schemas.microsoft.com/office/drawing/2010/main" xmlns="">
+              <a14:hiddenEffects xmlns="" xmlns:a14="http://schemas.microsoft.com/office/drawing/2010/main">
                 <a:effectLst>
                   <a:outerShdw dist="35921" dir="2700000" algn="ctr" rotWithShape="0">
                     <a:srgbClr val="808080"/>
@@ -3644,7 +4396,7 @@
           <a:effectLst/>
           <a:extLst>
             <a:ext uri="{AF507438-7753-43e0-B8FC-AC1667EBCBE1}">
-              <a14:hiddenEffects xmlns:a14="http://schemas.microsoft.com/office/drawing/2010/main" xmlns="">
+              <a14:hiddenEffects xmlns="" xmlns:a14="http://schemas.microsoft.com/office/drawing/2010/main">
                 <a:effectLst>
                   <a:outerShdw dist="35921" dir="2700000" algn="ctr" rotWithShape="0">
                     <a:srgbClr val="808080"/>
@@ -3672,7 +4424,7 @@
         </p:nvSpPr>
         <p:spPr bwMode="auto">
           <a:xfrm>
-            <a:off x="920656" y="1532846"/>
+            <a:off x="1626056" y="1532846"/>
             <a:ext cx="265393" cy="265346"/>
           </a:xfrm>
           <a:prstGeom prst="rect">
@@ -3692,7 +4444,7 @@
           <a:effectLst/>
           <a:extLst>
             <a:ext uri="{AF507438-7753-43e0-B8FC-AC1667EBCBE1}">
-              <a14:hiddenEffects xmlns:a14="http://schemas.microsoft.com/office/drawing/2010/main" xmlns="">
+              <a14:hiddenEffects xmlns="" xmlns:a14="http://schemas.microsoft.com/office/drawing/2010/main">
                 <a:effectLst>
                   <a:outerShdw dist="35921" dir="2700000" algn="ctr" rotWithShape="0">
                     <a:schemeClr val="bg2"/>
@@ -3748,7 +4500,7 @@
           <a:effectLst/>
           <a:extLst>
             <a:ext uri="{AF507438-7753-43e0-B8FC-AC1667EBCBE1}">
-              <a14:hiddenEffects xmlns:a14="http://schemas.microsoft.com/office/drawing/2010/main" xmlns="">
+              <a14:hiddenEffects xmlns="" xmlns:a14="http://schemas.microsoft.com/office/drawing/2010/main">
                 <a:effectLst>
                   <a:outerShdw dist="35921" dir="2700000" algn="ctr" rotWithShape="0">
                     <a:schemeClr val="bg2"/>
@@ -3784,7 +4536,7 @@
         </p:nvSpPr>
         <p:spPr bwMode="auto">
           <a:xfrm>
-            <a:off x="940305" y="3522209"/>
+            <a:off x="1576038" y="3522209"/>
             <a:ext cx="291932" cy="265346"/>
           </a:xfrm>
           <a:prstGeom prst="rect">
@@ -3804,7 +4556,7 @@
           <a:effectLst/>
           <a:extLst>
             <a:ext uri="{AF507438-7753-43e0-B8FC-AC1667EBCBE1}">
-              <a14:hiddenEffects xmlns:a14="http://schemas.microsoft.com/office/drawing/2010/main" xmlns="">
+              <a14:hiddenEffects xmlns="" xmlns:a14="http://schemas.microsoft.com/office/drawing/2010/main">
                 <a:effectLst>
                   <a:outerShdw dist="35921" dir="2700000" algn="ctr" rotWithShape="0">
                     <a:schemeClr val="bg2"/>
@@ -3860,7 +4612,7 @@
           <a:effectLst/>
           <a:extLst>
             <a:ext uri="{AF507438-7753-43e0-B8FC-AC1667EBCBE1}">
-              <a14:hiddenEffects xmlns:a14="http://schemas.microsoft.com/office/drawing/2010/main" xmlns="">
+              <a14:hiddenEffects xmlns="" xmlns:a14="http://schemas.microsoft.com/office/drawing/2010/main">
                 <a:effectLst>
                   <a:outerShdw dist="35921" dir="2700000" algn="ctr" rotWithShape="0">
                     <a:schemeClr val="bg2"/>
@@ -3894,7 +4646,7 @@
         </p:nvSpPr>
         <p:spPr>
           <a:xfrm>
-            <a:off x="1337005" y="1524001"/>
+            <a:off x="1937897" y="1524001"/>
             <a:ext cx="902811" cy="307777"/>
           </a:xfrm>
           <a:prstGeom prst="rect">
@@ -3947,7 +4699,7 @@
         </p:nvSpPr>
         <p:spPr>
           <a:xfrm>
-            <a:off x="1187440" y="3501485"/>
+            <a:off x="1927680" y="3501485"/>
             <a:ext cx="993092" cy="307777"/>
           </a:xfrm>
           <a:prstGeom prst="rect">
@@ -4000,7 +4752,7 @@
         </p:nvSpPr>
         <p:spPr>
           <a:xfrm>
-            <a:off x="5602123" y="3517655"/>
+            <a:off x="5602123" y="3508946"/>
             <a:ext cx="902811" cy="307777"/>
           </a:xfrm>
           <a:prstGeom prst="rect">
@@ -4048,7 +4800,7 @@
         </p:nvSpPr>
         <p:spPr>
           <a:xfrm>
-            <a:off x="5467097" y="1539306"/>
+            <a:off x="5467097" y="1530597"/>
             <a:ext cx="902811" cy="307777"/>
           </a:xfrm>
           <a:prstGeom prst="rect">
@@ -4160,7 +4912,7 @@
 </p:sld>
 </file>
 
-<file path=ppt/slides/slide3.xml><?xml version="1.0" encoding="utf-8"?>
+<file path=ppt/slides/slide4.xml><?xml version="1.0" encoding="utf-8"?>
 <p:sld xmlns:a="http://schemas.openxmlformats.org/drawingml/2006/main" xmlns:r="http://schemas.openxmlformats.org/officeDocument/2006/relationships" xmlns:p="http://schemas.openxmlformats.org/presentationml/2006/main">
   <p:cSld>
     <p:spTree>
@@ -4359,13 +5111,6 @@
                 </a:rPr>
                 <a:t>后台管理开发</a:t>
               </a:r>
-              <a:endParaRPr lang="zh-CN" altLang="en-US" sz="1100" dirty="0">
-                <a:solidFill>
-                  <a:schemeClr val="bg1"/>
-                </a:solidFill>
-                <a:latin typeface="微软雅黑" panose="020B0503020204020204" pitchFamily="34" charset="-122"/>
-                <a:ea typeface="微软雅黑" panose="020B0503020204020204" pitchFamily="34" charset="-122"/>
-              </a:endParaRPr>
             </a:p>
           </p:txBody>
         </p:sp>
@@ -4399,17 +5144,7 @@
                   <a:latin typeface="微软雅黑" panose="020B0503020204020204" pitchFamily="34" charset="-122"/>
                   <a:ea typeface="微软雅黑" panose="020B0503020204020204" pitchFamily="34" charset="-122"/>
                 </a:rPr>
-                <a:t>协助商务对接</a:t>
-              </a:r>
-              <a:r>
-                <a:rPr lang="zh-CN" altLang="en-US" sz="1100" dirty="0" smtClean="0">
-                  <a:solidFill>
-                    <a:schemeClr val="bg1"/>
-                  </a:solidFill>
-                  <a:latin typeface="微软雅黑" panose="020B0503020204020204" pitchFamily="34" charset="-122"/>
-                  <a:ea typeface="微软雅黑" panose="020B0503020204020204" pitchFamily="34" charset="-122"/>
-                </a:rPr>
-                <a:t>广告</a:t>
+                <a:t>协助商务对接广告</a:t>
               </a:r>
               <a:endParaRPr lang="zh-CN" altLang="en-US" sz="1100" dirty="0">
                 <a:solidFill>
@@ -4542,7 +5277,7 @@
           <p:spPr>
             <a:xfrm>
               <a:off x="6716006" y="2829362"/>
-              <a:ext cx="1311462" cy="691087"/>
+              <a:ext cx="1311462" cy="923330"/>
             </a:xfrm>
             <a:prstGeom prst="rect">
               <a:avLst/>
@@ -4571,18 +5306,34 @@
                   <a:latin typeface="微软雅黑" panose="020B0503020204020204" pitchFamily="34" charset="-122"/>
                   <a:ea typeface="微软雅黑" panose="020B0503020204020204" pitchFamily="34" charset="-122"/>
                 </a:rPr>
-                <a:t>广告管理，实时换肤，实时更新素材、文案等</a:t>
+                <a:t>独立</a:t>
               </a:r>
-              <a:endParaRPr lang="zh-CN" altLang="en-US" sz="900" dirty="0">
-                <a:solidFill>
-                  <a:schemeClr val="tx1">
-                    <a:lumMod val="65000"/>
-                    <a:lumOff val="35000"/>
-                  </a:schemeClr>
-                </a:solidFill>
-                <a:latin typeface="微软雅黑" panose="020B0503020204020204" pitchFamily="34" charset="-122"/>
-                <a:ea typeface="微软雅黑" panose="020B0503020204020204" pitchFamily="34" charset="-122"/>
-              </a:endParaRPr>
+              <a:r>
+                <a:rPr lang="zh-CN" altLang="en-US" sz="900" dirty="0" smtClean="0">
+                  <a:solidFill>
+                    <a:schemeClr val="tx1">
+                      <a:lumMod val="65000"/>
+                      <a:lumOff val="35000"/>
+                    </a:schemeClr>
+                  </a:solidFill>
+                  <a:latin typeface="微软雅黑" panose="020B0503020204020204" pitchFamily="34" charset="-122"/>
+                  <a:ea typeface="微软雅黑" panose="020B0503020204020204" pitchFamily="34" charset="-122"/>
+                </a:rPr>
+                <a:t>负责项目，实现广告</a:t>
+              </a:r>
+              <a:r>
+                <a:rPr lang="zh-CN" altLang="en-US" sz="900" dirty="0">
+                  <a:solidFill>
+                    <a:schemeClr val="tx1">
+                      <a:lumMod val="65000"/>
+                      <a:lumOff val="35000"/>
+                    </a:schemeClr>
+                  </a:solidFill>
+                  <a:latin typeface="微软雅黑" panose="020B0503020204020204" pitchFamily="34" charset="-122"/>
+                  <a:ea typeface="微软雅黑" panose="020B0503020204020204" pitchFamily="34" charset="-122"/>
+                </a:rPr>
+                <a:t>管理，实时换肤，实时更新素材、文案等</a:t>
+              </a:r>
             </a:p>
           </p:txBody>
         </p:sp>
@@ -4624,46 +5375,7 @@
                   <a:latin typeface="微软雅黑" panose="020B0503020204020204" pitchFamily="34" charset="-122"/>
                   <a:ea typeface="微软雅黑" panose="020B0503020204020204" pitchFamily="34" charset="-122"/>
                 </a:rPr>
-                <a:t>提供对接</a:t>
-              </a:r>
-              <a:r>
-                <a:rPr lang="zh-CN" altLang="en-US" sz="900" dirty="0" smtClean="0">
-                  <a:solidFill>
-                    <a:schemeClr val="tx1">
-                      <a:lumMod val="65000"/>
-                      <a:lumOff val="35000"/>
-                    </a:schemeClr>
-                  </a:solidFill>
-                  <a:latin typeface="微软雅黑" panose="020B0503020204020204" pitchFamily="34" charset="-122"/>
-                  <a:ea typeface="微软雅黑" panose="020B0503020204020204" pitchFamily="34" charset="-122"/>
-                </a:rPr>
-                <a:t>时技术</a:t>
-              </a:r>
-              <a:r>
-                <a:rPr lang="zh-CN" altLang="en-US" sz="900" dirty="0" smtClean="0">
-                  <a:solidFill>
-                    <a:schemeClr val="tx1">
-                      <a:lumMod val="65000"/>
-                      <a:lumOff val="35000"/>
-                    </a:schemeClr>
-                  </a:solidFill>
-                  <a:latin typeface="微软雅黑" panose="020B0503020204020204" pitchFamily="34" charset="-122"/>
-                  <a:ea typeface="微软雅黑" panose="020B0503020204020204" pitchFamily="34" charset="-122"/>
-                </a:rPr>
-                <a:t>层面的</a:t>
-              </a:r>
-              <a:r>
-                <a:rPr lang="zh-CN" altLang="en-US" sz="900" dirty="0" smtClean="0">
-                  <a:solidFill>
-                    <a:schemeClr val="tx1">
-                      <a:lumMod val="65000"/>
-                      <a:lumOff val="35000"/>
-                    </a:schemeClr>
-                  </a:solidFill>
-                  <a:latin typeface="微软雅黑" panose="020B0503020204020204" pitchFamily="34" charset="-122"/>
-                  <a:ea typeface="微软雅黑" panose="020B0503020204020204" pitchFamily="34" charset="-122"/>
-                </a:rPr>
-                <a:t>协助</a:t>
+                <a:t>提供广告对接时技术层面的协助</a:t>
               </a:r>
               <a:endParaRPr lang="zh-CN" altLang="zh-CN" sz="900" dirty="0">
                 <a:solidFill>
@@ -4687,7 +5399,7 @@
           <p:spPr>
             <a:xfrm>
               <a:off x="7106014" y="4299287"/>
-              <a:ext cx="1371967" cy="275588"/>
+              <a:ext cx="1371967" cy="300082"/>
             </a:xfrm>
             <a:prstGeom prst="rect">
               <a:avLst/>
@@ -4716,7 +5428,7 @@
                   <a:latin typeface="微软雅黑" panose="020B0503020204020204" pitchFamily="34" charset="-122"/>
                   <a:ea typeface="微软雅黑" panose="020B0503020204020204" pitchFamily="34" charset="-122"/>
                 </a:rPr>
-                <a:t>自主优化产品</a:t>
+                <a:t>高效交付，持续关注</a:t>
               </a:r>
               <a:endParaRPr lang="zh-CN" altLang="en-US" sz="900" dirty="0">
                 <a:solidFill>
@@ -4760,12 +5472,12 @@
           <a:effectLst/>
           <a:extLst>
             <a:ext uri="{909E8E84-426E-40dd-AFC4-6F175D3DCCD1}">
-              <a14:hiddenFill xmlns:a14="http://schemas.microsoft.com/office/drawing/2010/main" xmlns="">
+              <a14:hiddenFill xmlns="" xmlns:a14="http://schemas.microsoft.com/office/drawing/2010/main">
                 <a:noFill/>
               </a14:hiddenFill>
             </a:ext>
             <a:ext uri="{AF507438-7753-43e0-B8FC-AC1667EBCBE1}">
-              <a14:hiddenEffects xmlns:a14="http://schemas.microsoft.com/office/drawing/2010/main" xmlns="">
+              <a14:hiddenEffects xmlns="" xmlns:a14="http://schemas.microsoft.com/office/drawing/2010/main">
                 <a:effectLst>
                   <a:outerShdw dist="35921" dir="2700000" algn="ctr" rotWithShape="0">
                     <a:srgbClr val="808080"/>
@@ -4791,8 +5503,8 @@
         </p:nvSpPr>
         <p:spPr>
           <a:xfrm>
-            <a:off x="3969834" y="3900285"/>
-            <a:ext cx="1112743" cy="338554"/>
+            <a:off x="3969834" y="3848031"/>
+            <a:ext cx="1112743" cy="584775"/>
           </a:xfrm>
           <a:prstGeom prst="rect">
             <a:avLst/>
@@ -4811,6 +5523,16 @@
                 <a:ea typeface="微软雅黑" panose="020B0503020204020204" pitchFamily="34" charset="-122"/>
               </a:rPr>
               <a:t>LeadGen</a:t>
+            </a:r>
+          </a:p>
+          <a:p>
+            <a:r>
+              <a:rPr lang="en-US" altLang="zh-CN" sz="1600" b="1" dirty="0" smtClean="0">
+                <a:latin typeface="微软雅黑" panose="020B0503020204020204" pitchFamily="34" charset="-122"/>
+                <a:ea typeface="微软雅黑" panose="020B0503020204020204" pitchFamily="34" charset="-122"/>
+                <a:cs typeface="+mj-cs"/>
+              </a:rPr>
+              <a:t>     (B)</a:t>
             </a:r>
             <a:endParaRPr lang="zh-CN" altLang="en-US" sz="1600" b="1" dirty="0">
               <a:latin typeface="微软雅黑" panose="020B0503020204020204" pitchFamily="34" charset="-122"/>
@@ -4894,17 +5616,7 @@
                 <a:latin typeface="微软雅黑" panose="020B0503020204020204" pitchFamily="34" charset="-122"/>
                 <a:ea typeface="微软雅黑" panose="020B0503020204020204" pitchFamily="34" charset="-122"/>
               </a:rPr>
-              <a:t>协助</a:t>
-            </a:r>
-            <a:r>
-              <a:rPr lang="zh-CN" altLang="en-US" sz="1100" dirty="0" smtClean="0">
-                <a:solidFill>
-                  <a:schemeClr val="bg1"/>
-                </a:solidFill>
-                <a:latin typeface="微软雅黑" panose="020B0503020204020204" pitchFamily="34" charset="-122"/>
-                <a:ea typeface="微软雅黑" panose="020B0503020204020204" pitchFamily="34" charset="-122"/>
-              </a:rPr>
-              <a:t>试</a:t>
+              <a:t>协助试</a:t>
             </a:r>
             <a:r>
               <a:rPr lang="en-US" altLang="zh-CN" sz="1100" dirty="0">
@@ -4963,8 +5675,8 @@
         </p:nvSpPr>
         <p:spPr>
           <a:xfrm>
-            <a:off x="5626525" y="1645775"/>
-            <a:ext cx="1381103" cy="507831"/>
+            <a:off x="5632428" y="1451679"/>
+            <a:ext cx="1937092" cy="715581"/>
           </a:xfrm>
           <a:prstGeom prst="rect">
             <a:avLst/>
@@ -4993,18 +5705,47 @@
                 <a:latin typeface="微软雅黑" panose="020B0503020204020204" pitchFamily="34" charset="-122"/>
                 <a:ea typeface="微软雅黑" panose="020B0503020204020204" pitchFamily="34" charset="-122"/>
               </a:rPr>
-              <a:t>根据不同阶段产品目标，自主选型和开发</a:t>
-            </a:r>
-            <a:endParaRPr lang="zh-CN" altLang="en-US" sz="900" dirty="0">
-              <a:solidFill>
-                <a:schemeClr val="tx1">
-                  <a:lumMod val="65000"/>
-                  <a:lumOff val="35000"/>
-                </a:schemeClr>
-              </a:solidFill>
-              <a:latin typeface="微软雅黑" panose="020B0503020204020204" pitchFamily="34" charset="-122"/>
-              <a:ea typeface="微软雅黑" panose="020B0503020204020204" pitchFamily="34" charset="-122"/>
-            </a:endParaRPr>
+              <a:t>独立负责项目，根据不同</a:t>
+            </a:r>
+            <a:r>
+              <a:rPr lang="zh-CN" altLang="en-US" sz="900" dirty="0">
+                <a:solidFill>
+                  <a:schemeClr val="tx1">
+                    <a:lumMod val="65000"/>
+                    <a:lumOff val="35000"/>
+                  </a:schemeClr>
+                </a:solidFill>
+                <a:latin typeface="微软雅黑" panose="020B0503020204020204" pitchFamily="34" charset="-122"/>
+                <a:ea typeface="微软雅黑" panose="020B0503020204020204" pitchFamily="34" charset="-122"/>
+              </a:rPr>
+              <a:t>阶段</a:t>
+            </a:r>
+            <a:r>
+              <a:rPr lang="zh-CN" altLang="en-US" sz="900" dirty="0" smtClean="0">
+                <a:solidFill>
+                  <a:schemeClr val="tx1">
+                    <a:lumMod val="65000"/>
+                    <a:lumOff val="35000"/>
+                  </a:schemeClr>
+                </a:solidFill>
+                <a:latin typeface="微软雅黑" panose="020B0503020204020204" pitchFamily="34" charset="-122"/>
+                <a:ea typeface="微软雅黑" panose="020B0503020204020204" pitchFamily="34" charset="-122"/>
+              </a:rPr>
+              <a:t>产品现状和目标，选型和开发，高</a:t>
+            </a:r>
+            <a:r>
+              <a:rPr lang="zh-CN" altLang="en-US" sz="900" dirty="0">
+                <a:solidFill>
+                  <a:schemeClr val="tx1">
+                    <a:lumMod val="65000"/>
+                    <a:lumOff val="35000"/>
+                  </a:schemeClr>
+                </a:solidFill>
+                <a:latin typeface="微软雅黑" panose="020B0503020204020204" pitchFamily="34" charset="-122"/>
+                <a:ea typeface="微软雅黑" panose="020B0503020204020204" pitchFamily="34" charset="-122"/>
+              </a:rPr>
+              <a:t>质量交付项目目标</a:t>
+            </a:r>
           </a:p>
         </p:txBody>
       </p:sp>
@@ -5016,8 +5757,8 @@
         </p:nvSpPr>
         <p:spPr>
           <a:xfrm>
-            <a:off x="2054067" y="1586499"/>
-            <a:ext cx="1311462" cy="715581"/>
+            <a:off x="2054066" y="1586499"/>
+            <a:ext cx="1422455" cy="715581"/>
           </a:xfrm>
           <a:prstGeom prst="rect">
             <a:avLst/>
@@ -5150,7 +5891,7 @@
 </p:sld>
 </file>
 
-<file path=ppt/slides/slide4.xml><?xml version="1.0" encoding="utf-8"?>
+<file path=ppt/slides/slide5.xml><?xml version="1.0" encoding="utf-8"?>
 <p:sld xmlns:a="http://schemas.openxmlformats.org/drawingml/2006/main" xmlns:r="http://schemas.openxmlformats.org/officeDocument/2006/relationships" xmlns:p="http://schemas.openxmlformats.org/presentationml/2006/main">
   <p:cSld>
     <p:spTree>
@@ -5219,8 +5960,23 @@
             </a:r>
             <a:r>
               <a:rPr lang="zh-CN" altLang="en-US" dirty="0"/>
-              <a:t>项目经历</a:t>
-            </a:r>
+              <a:t>项目</a:t>
+            </a:r>
+            <a:r>
+              <a:rPr lang="zh-CN" altLang="en-US" dirty="0" smtClean="0"/>
+              <a:t>经历</a:t>
+            </a:r>
+            <a:r>
+              <a:rPr lang="en-US" altLang="zh-CN" dirty="0" smtClean="0"/>
+              <a:t>/</a:t>
+            </a:r>
+            <a:r>
+              <a:rPr lang="zh-CN" altLang="en-US" dirty="0"/>
+              <a:t>关键事件</a:t>
+            </a:r>
+          </a:p>
+          <a:p>
+            <a:endParaRPr lang="zh-CN" altLang="en-US" dirty="0"/>
           </a:p>
           <a:p>
             <a:endParaRPr lang="zh-CN" altLang="en-US" dirty="0"/>
@@ -5239,9 +5995,9 @@
         <p:grpSpPr>
           <a:xfrm>
             <a:off x="789708" y="1548116"/>
-            <a:ext cx="7251891" cy="3311398"/>
+            <a:ext cx="7407689" cy="3311398"/>
             <a:chOff x="789708" y="1947118"/>
-            <a:chExt cx="7251891" cy="3311398"/>
+            <a:chExt cx="7407689" cy="3311398"/>
           </a:xfrm>
         </p:grpSpPr>
         <p:pic>
@@ -5260,7 +6016,7 @@
           </p:blipFill>
           <p:spPr>
             <a:xfrm>
-              <a:off x="1815932" y="1947118"/>
+              <a:off x="1824641" y="1947118"/>
               <a:ext cx="5372660" cy="3311398"/>
             </a:xfrm>
             <a:prstGeom prst="rect">
@@ -5277,7 +6033,7 @@
           <p:spPr>
             <a:xfrm>
               <a:off x="7153965" y="4248228"/>
-              <a:ext cx="854382" cy="483337"/>
+              <a:ext cx="1043432" cy="507831"/>
             </a:xfrm>
             <a:prstGeom prst="rect">
               <a:avLst/>
@@ -5306,7 +6062,7 @@
                   <a:latin typeface="微软雅黑" panose="020B0503020204020204" pitchFamily="34" charset="-122"/>
                   <a:ea typeface="微软雅黑" panose="020B0503020204020204" pitchFamily="34" charset="-122"/>
                 </a:rPr>
-                <a:t>高效快速交付</a:t>
+                <a:t>高效快速交付，持续关注</a:t>
               </a:r>
               <a:endParaRPr lang="zh-CN" altLang="en-US" sz="900" dirty="0">
                 <a:solidFill>
@@ -5329,7 +6085,7 @@
           </p:nvSpPr>
           <p:spPr>
             <a:xfrm>
-              <a:off x="2311878" y="4115813"/>
+              <a:off x="2311878" y="4289992"/>
               <a:ext cx="824323" cy="430887"/>
             </a:xfrm>
             <a:prstGeom prst="rect">
@@ -5353,13 +6109,6 @@
                 </a:rPr>
                 <a:t>框架升级系统重构</a:t>
               </a:r>
-              <a:endParaRPr lang="zh-CN" altLang="en-US" sz="1100" dirty="0" smtClean="0">
-                <a:solidFill>
-                  <a:schemeClr val="bg1"/>
-                </a:solidFill>
-                <a:latin typeface="微软雅黑" panose="020B0503020204020204" pitchFamily="34" charset="-122"/>
-                <a:ea typeface="微软雅黑" panose="020B0503020204020204" pitchFamily="34" charset="-122"/>
-              </a:endParaRPr>
             </a:p>
           </p:txBody>
         </p:sp>
@@ -5498,7 +6247,7 @@
           </p:nvSpPr>
           <p:spPr>
             <a:xfrm>
-              <a:off x="4507860" y="2348623"/>
+              <a:off x="4507860" y="2470549"/>
               <a:ext cx="866378" cy="430887"/>
             </a:xfrm>
             <a:prstGeom prst="rect">
@@ -5512,7 +6261,7 @@
             </a:bodyPr>
             <a:lstStyle/>
             <a:p>
-              <a:pPr algn="ctr"/>
+              <a:pPr algn="r"/>
               <a:r>
                 <a:rPr lang="zh-CN" altLang="zh-CN" sz="1100" dirty="0">
                   <a:solidFill>
@@ -5584,7 +6333,7 @@
           </p:nvSpPr>
           <p:spPr>
             <a:xfrm>
-              <a:off x="5935584" y="4324350"/>
+              <a:off x="5996547" y="4385313"/>
               <a:ext cx="748923" cy="261610"/>
             </a:xfrm>
             <a:prstGeom prst="rect">
@@ -5744,8 +6493,8 @@
           </p:nvSpPr>
           <p:spPr>
             <a:xfrm>
-              <a:off x="1961806" y="2022654"/>
-              <a:ext cx="1374854" cy="715581"/>
+              <a:off x="1297577" y="2022654"/>
+              <a:ext cx="2039083" cy="715581"/>
             </a:xfrm>
             <a:prstGeom prst="rect">
               <a:avLst/>
@@ -5774,14 +6523,112 @@
                   <a:latin typeface="微软雅黑" panose="020B0503020204020204" pitchFamily="34" charset="-122"/>
                   <a:ea typeface="微软雅黑" panose="020B0503020204020204" pitchFamily="34" charset="-122"/>
                 </a:rPr>
-                <a:t>统一开发风格，提升代码的可读性和可维护性，减少组件</a:t>
+                <a:t>统一开发</a:t>
+              </a:r>
+              <a:r>
+                <a:rPr lang="zh-CN" altLang="zh-CN" sz="900" dirty="0" smtClean="0">
+                  <a:solidFill>
+                    <a:schemeClr val="tx1">
+                      <a:lumMod val="65000"/>
+                      <a:lumOff val="35000"/>
+                    </a:schemeClr>
+                  </a:solidFill>
+                  <a:latin typeface="微软雅黑" panose="020B0503020204020204" pitchFamily="34" charset="-122"/>
+                  <a:ea typeface="微软雅黑" panose="020B0503020204020204" pitchFamily="34" charset="-122"/>
+                </a:rPr>
+                <a:t>风格，</a:t>
+              </a:r>
+              <a:r>
+                <a:rPr lang="zh-CN" altLang="en-US" sz="900" dirty="0" smtClean="0">
+                  <a:solidFill>
+                    <a:schemeClr val="tx1">
+                      <a:lumMod val="65000"/>
+                      <a:lumOff val="35000"/>
+                    </a:schemeClr>
+                  </a:solidFill>
+                  <a:latin typeface="微软雅黑" panose="020B0503020204020204" pitchFamily="34" charset="-122"/>
+                  <a:ea typeface="微软雅黑" panose="020B0503020204020204" pitchFamily="34" charset="-122"/>
+                </a:rPr>
+                <a:t>重构部分组件，</a:t>
+              </a:r>
+              <a:r>
+                <a:rPr lang="zh-CN" altLang="zh-CN" sz="900" dirty="0">
+                  <a:solidFill>
+                    <a:schemeClr val="tx1">
+                      <a:lumMod val="65000"/>
+                      <a:lumOff val="35000"/>
+                    </a:schemeClr>
+                  </a:solidFill>
+                  <a:latin typeface="微软雅黑" panose="020B0503020204020204" pitchFamily="34" charset="-122"/>
+                  <a:ea typeface="微软雅黑" panose="020B0503020204020204" pitchFamily="34" charset="-122"/>
+                </a:rPr>
+                <a:t>提升代码的可读性和</a:t>
+              </a:r>
+              <a:r>
+                <a:rPr lang="zh-CN" altLang="zh-CN" sz="900" dirty="0" smtClean="0">
+                  <a:solidFill>
+                    <a:schemeClr val="tx1">
+                      <a:lumMod val="65000"/>
+                      <a:lumOff val="35000"/>
+                    </a:schemeClr>
+                  </a:solidFill>
+                  <a:latin typeface="微软雅黑" panose="020B0503020204020204" pitchFamily="34" charset="-122"/>
+                  <a:ea typeface="微软雅黑" panose="020B0503020204020204" pitchFamily="34" charset="-122"/>
+                </a:rPr>
+                <a:t>可维护性</a:t>
+              </a:r>
+              <a:r>
+                <a:rPr lang="zh-CN" altLang="en-US" sz="900" dirty="0" smtClean="0">
+                  <a:solidFill>
+                    <a:schemeClr val="tx1">
+                      <a:lumMod val="65000"/>
+                      <a:lumOff val="35000"/>
+                    </a:schemeClr>
+                  </a:solidFill>
+                  <a:latin typeface="微软雅黑" panose="020B0503020204020204" pitchFamily="34" charset="-122"/>
+                  <a:ea typeface="微软雅黑" panose="020B0503020204020204" pitchFamily="34" charset="-122"/>
+                </a:rPr>
+                <a:t>，</a:t>
+              </a:r>
+              <a:r>
+                <a:rPr lang="zh-CN" altLang="zh-CN" sz="900" dirty="0" smtClean="0">
+                  <a:solidFill>
+                    <a:schemeClr val="tx1">
+                      <a:lumMod val="65000"/>
+                      <a:lumOff val="35000"/>
+                    </a:schemeClr>
+                  </a:solidFill>
+                  <a:latin typeface="微软雅黑" panose="020B0503020204020204" pitchFamily="34" charset="-122"/>
+                  <a:ea typeface="微软雅黑" panose="020B0503020204020204" pitchFamily="34" charset="-122"/>
+                </a:rPr>
+                <a:t>减少组件</a:t>
+              </a:r>
+              <a:r>
+                <a:rPr lang="zh-CN" altLang="en-US" sz="900" smtClean="0">
+                  <a:solidFill>
+                    <a:schemeClr val="tx1">
+                      <a:lumMod val="65000"/>
+                      <a:lumOff val="35000"/>
+                    </a:schemeClr>
+                  </a:solidFill>
+                  <a:latin typeface="微软雅黑" panose="020B0503020204020204" pitchFamily="34" charset="-122"/>
+                  <a:ea typeface="微软雅黑" panose="020B0503020204020204" pitchFamily="34" charset="-122"/>
+                </a:rPr>
+                <a:t>（文件数）</a:t>
+              </a:r>
+              <a:r>
+                <a:rPr lang="en-US" altLang="zh-CN" sz="900" dirty="0" smtClean="0">
+                  <a:latin typeface="微软雅黑" panose="020B0503020204020204" pitchFamily="34" charset="-122"/>
+                  <a:ea typeface="微软雅黑" panose="020B0503020204020204" pitchFamily="34" charset="-122"/>
+                </a:rPr>
+                <a:t>50</a:t>
               </a:r>
               <a:r>
                 <a:rPr lang="en-US" altLang="zh-CN" sz="900" dirty="0">
                   <a:latin typeface="微软雅黑" panose="020B0503020204020204" pitchFamily="34" charset="-122"/>
                   <a:ea typeface="微软雅黑" panose="020B0503020204020204" pitchFamily="34" charset="-122"/>
                 </a:rPr>
-                <a:t>50%</a:t>
+                <a:t>%</a:t>
               </a:r>
               <a:endParaRPr lang="zh-CN" altLang="zh-CN" sz="900" dirty="0">
                 <a:latin typeface="微软雅黑" panose="020B0503020204020204" pitchFamily="34" charset="-122"/>
@@ -5858,12 +6705,6 @@
               </a:r>
               <a:r>
                 <a:rPr lang="en-US" altLang="zh-CN" sz="900" dirty="0" smtClean="0">
-                  <a:solidFill>
-                    <a:schemeClr val="tx1">
-                      <a:lumMod val="65000"/>
-                      <a:lumOff val="35000"/>
-                    </a:schemeClr>
-                  </a:solidFill>
                   <a:latin typeface="微软雅黑" panose="020B0503020204020204" pitchFamily="34" charset="-122"/>
                   <a:ea typeface="微软雅黑" panose="020B0503020204020204" pitchFamily="34" charset="-122"/>
                 </a:rPr>
@@ -5904,7 +6745,7 @@
           <p:spPr>
             <a:xfrm>
               <a:off x="5592182" y="2022654"/>
-              <a:ext cx="1371967" cy="483337"/>
+              <a:ext cx="1679475" cy="483337"/>
             </a:xfrm>
             <a:prstGeom prst="rect">
               <a:avLst/>
@@ -5933,41 +6774,16 @@
                   <a:latin typeface="微软雅黑" panose="020B0503020204020204" pitchFamily="34" charset="-122"/>
                   <a:ea typeface="微软雅黑" panose="020B0503020204020204" pitchFamily="34" charset="-122"/>
                 </a:rPr>
-                <a:t>分析部署慢的原因，节省部署时间</a:t>
+                <a:t>分析部署慢的原因，并从根本上解决，节省部署时间</a:t>
               </a:r>
               <a:r>
                 <a:rPr lang="en-US" altLang="zh-CN" sz="900" dirty="0">
-                  <a:solidFill>
-                    <a:schemeClr val="tx1">
-                      <a:lumMod val="65000"/>
-                      <a:lumOff val="35000"/>
-                    </a:schemeClr>
-                  </a:solidFill>
                   <a:latin typeface="微软雅黑" panose="020B0503020204020204" pitchFamily="34" charset="-122"/>
                   <a:ea typeface="微软雅黑" panose="020B0503020204020204" pitchFamily="34" charset="-122"/>
                 </a:rPr>
-                <a:t>80</a:t>
-              </a:r>
-              <a:r>
-                <a:rPr lang="en-US" altLang="zh-CN" sz="900" dirty="0">
-                  <a:solidFill>
-                    <a:schemeClr val="tx1">
-                      <a:lumMod val="65000"/>
-                      <a:lumOff val="35000"/>
-                    </a:schemeClr>
-                  </a:solidFill>
-                  <a:latin typeface="微软雅黑" panose="020B0503020204020204" pitchFamily="34" charset="-122"/>
-                  <a:ea typeface="微软雅黑" panose="020B0503020204020204" pitchFamily="34" charset="-122"/>
-                </a:rPr>
-                <a:t>% </a:t>
+                <a:t>80% </a:t>
               </a:r>
               <a:endParaRPr lang="zh-CN" altLang="en-US" sz="900" dirty="0">
-                <a:solidFill>
-                  <a:schemeClr val="tx1">
-                    <a:lumMod val="65000"/>
-                    <a:lumOff val="35000"/>
-                  </a:schemeClr>
-                </a:solidFill>
                 <a:latin typeface="微软雅黑" panose="020B0503020204020204" pitchFamily="34" charset="-122"/>
                 <a:ea typeface="微软雅黑" panose="020B0503020204020204" pitchFamily="34" charset="-122"/>
               </a:endParaRPr>
@@ -5982,8 +6798,8 @@
           </p:nvSpPr>
           <p:spPr>
             <a:xfrm>
-              <a:off x="6684507" y="2827435"/>
-              <a:ext cx="1357092" cy="1131079"/>
+              <a:off x="6667088" y="2940652"/>
+              <a:ext cx="1530309" cy="715581"/>
             </a:xfrm>
             <a:prstGeom prst="rect">
               <a:avLst/>
@@ -6173,12 +6989,12 @@
           <a:effectLst/>
           <a:extLst>
             <a:ext uri="{909E8E84-426E-40dd-AFC4-6F175D3DCCD1}">
-              <a14:hiddenFill xmlns:a14="http://schemas.microsoft.com/office/drawing/2010/main" xmlns="">
+              <a14:hiddenFill xmlns="" xmlns:a14="http://schemas.microsoft.com/office/drawing/2010/main">
                 <a:noFill/>
               </a14:hiddenFill>
             </a:ext>
             <a:ext uri="{AF507438-7753-43e0-B8FC-AC1667EBCBE1}">
-              <a14:hiddenEffects xmlns:a14="http://schemas.microsoft.com/office/drawing/2010/main" xmlns="">
+              <a14:hiddenEffects xmlns="" xmlns:a14="http://schemas.microsoft.com/office/drawing/2010/main">
                 <a:effectLst>
                   <a:outerShdw dist="35921" dir="2700000" algn="ctr" rotWithShape="0">
                     <a:srgbClr val="808080"/>
@@ -6204,8 +7020,8 @@
         </p:nvSpPr>
         <p:spPr>
           <a:xfrm>
-            <a:off x="4195483" y="3889134"/>
-            <a:ext cx="595035" cy="338554"/>
+            <a:off x="4014377" y="3819463"/>
+            <a:ext cx="953404" cy="584775"/>
           </a:xfrm>
           <a:prstGeom prst="rect">
             <a:avLst/>
@@ -6218,13 +7034,14 @@
           </a:bodyPr>
           <a:lstStyle/>
           <a:p>
+            <a:pPr algn="ctr"/>
             <a:r>
               <a:rPr lang="zh-CN" altLang="en-US" sz="1600" b="1" dirty="0" smtClean="0">
                 <a:latin typeface="微软雅黑" panose="020B0503020204020204" pitchFamily="34" charset="-122"/>
                 <a:ea typeface="微软雅黑" panose="020B0503020204020204" pitchFamily="34" charset="-122"/>
                 <a:cs typeface="+mj-cs"/>
               </a:rPr>
-              <a:t>联盟</a:t>
+              <a:t>联盟及相关</a:t>
             </a:r>
             <a:endParaRPr lang="zh-CN" altLang="en-US" sz="1600" b="1" dirty="0">
               <a:latin typeface="微软雅黑" panose="020B0503020204020204" pitchFamily="34" charset="-122"/>
@@ -6254,7 +7071,7 @@
 </p:sld>
 </file>
 
-<file path=ppt/slides/slide5.xml><?xml version="1.0" encoding="utf-8"?>
+<file path=ppt/slides/slide6.xml><?xml version="1.0" encoding="utf-8"?>
 <p:sld xmlns:a="http://schemas.openxmlformats.org/drawingml/2006/main" xmlns:r="http://schemas.openxmlformats.org/officeDocument/2006/relationships" xmlns:p="http://schemas.openxmlformats.org/presentationml/2006/main">
   <p:cSld>
     <p:spTree>
@@ -6323,8 +7140,23 @@
             </a:r>
             <a:r>
               <a:rPr lang="zh-CN" altLang="en-US" dirty="0"/>
-              <a:t>项目经历</a:t>
-            </a:r>
+              <a:t>项目</a:t>
+            </a:r>
+            <a:r>
+              <a:rPr lang="zh-CN" altLang="en-US" dirty="0" smtClean="0"/>
+              <a:t>经历</a:t>
+            </a:r>
+            <a:r>
+              <a:rPr lang="en-US" altLang="zh-CN" dirty="0" smtClean="0"/>
+              <a:t>/</a:t>
+            </a:r>
+            <a:r>
+              <a:rPr lang="zh-CN" altLang="en-US" dirty="0"/>
+              <a:t>关键事件</a:t>
+            </a:r>
+          </a:p>
+          <a:p>
+            <a:endParaRPr lang="zh-CN" altLang="en-US" dirty="0"/>
           </a:p>
           <a:p>
             <a:endParaRPr lang="zh-CN" altLang="en-US" dirty="0"/>
@@ -6342,10 +7174,10 @@
         </p:nvGrpSpPr>
         <p:grpSpPr>
           <a:xfrm>
-            <a:off x="960234" y="1534122"/>
-            <a:ext cx="7220363" cy="3325392"/>
-            <a:chOff x="960234" y="1933124"/>
-            <a:chExt cx="7220363" cy="3325392"/>
+            <a:off x="960234" y="1548116"/>
+            <a:ext cx="7220363" cy="3311398"/>
+            <a:chOff x="960234" y="1947118"/>
+            <a:chExt cx="7220363" cy="3311398"/>
           </a:xfrm>
         </p:grpSpPr>
         <p:pic>
@@ -6421,7 +7253,7 @@
           <p:spPr>
             <a:xfrm>
               <a:off x="2288187" y="4239711"/>
-              <a:ext cx="824323" cy="600164"/>
+              <a:ext cx="982467" cy="430887"/>
             </a:xfrm>
             <a:prstGeom prst="rect">
               <a:avLst/>
@@ -6454,13 +7286,6 @@
                 </a:rPr>
                 <a:t>新代理接入</a:t>
               </a:r>
-              <a:endParaRPr lang="zh-CN" altLang="en-US" sz="1100" dirty="0" smtClean="0">
-                <a:solidFill>
-                  <a:schemeClr val="bg1"/>
-                </a:solidFill>
-                <a:latin typeface="微软雅黑" panose="020B0503020204020204" pitchFamily="34" charset="-122"/>
-                <a:ea typeface="微软雅黑" panose="020B0503020204020204" pitchFamily="34" charset="-122"/>
-              </a:endParaRPr>
             </a:p>
           </p:txBody>
         </p:sp>
@@ -6472,8 +7297,8 @@
           </p:nvSpPr>
           <p:spPr>
             <a:xfrm>
-              <a:off x="3618825" y="2348623"/>
-              <a:ext cx="786497" cy="600164"/>
+              <a:off x="3618826" y="2427004"/>
+              <a:ext cx="777708" cy="430887"/>
             </a:xfrm>
             <a:prstGeom prst="rect">
               <a:avLst/>
@@ -6488,16 +7313,6 @@
             <a:p>
               <a:pPr algn="ctr"/>
               <a:r>
-                <a:rPr lang="en-US" altLang="zh-CN" sz="1100" dirty="0" smtClean="0">
-                  <a:solidFill>
-                    <a:schemeClr val="bg1"/>
-                  </a:solidFill>
-                  <a:latin typeface="微软雅黑" panose="020B0503020204020204" pitchFamily="34" charset="-122"/>
-                  <a:ea typeface="微软雅黑" panose="020B0503020204020204" pitchFamily="34" charset="-122"/>
-                </a:rPr>
-                <a:t>Luminati chrome</a:t>
-              </a:r>
-              <a:r>
                 <a:rPr lang="zh-CN" altLang="en-US" sz="1100" dirty="0" smtClean="0">
                   <a:solidFill>
                     <a:schemeClr val="bg1"/>
@@ -6505,7 +7320,7 @@
                   <a:latin typeface="微软雅黑" panose="020B0503020204020204" pitchFamily="34" charset="-122"/>
                   <a:ea typeface="微软雅黑" panose="020B0503020204020204" pitchFamily="34" charset="-122"/>
                 </a:rPr>
-                <a:t>插件维护</a:t>
+                <a:t>代理插件维护</a:t>
               </a:r>
               <a:endParaRPr lang="zh-CN" altLang="en-US" sz="1100" dirty="0">
                 <a:solidFill>
@@ -6525,7 +7340,7 @@
           </p:nvSpPr>
           <p:spPr>
             <a:xfrm>
-              <a:off x="2417409" y="3083278"/>
+              <a:off x="2417409" y="3144241"/>
               <a:ext cx="853245" cy="430887"/>
             </a:xfrm>
             <a:prstGeom prst="rect">
@@ -6577,7 +7392,7 @@
           </p:nvSpPr>
           <p:spPr>
             <a:xfrm>
-              <a:off x="4547115" y="2479428"/>
+              <a:off x="4547115" y="2514264"/>
               <a:ext cx="866378" cy="261610"/>
             </a:xfrm>
             <a:prstGeom prst="rect">
@@ -6673,7 +7488,7 @@
           </p:nvSpPr>
           <p:spPr>
             <a:xfrm>
-              <a:off x="5909936" y="4324350"/>
+              <a:off x="5909936" y="4385313"/>
               <a:ext cx="824265" cy="261610"/>
             </a:xfrm>
             <a:prstGeom prst="rect">
@@ -6708,13 +7523,6 @@
                 </a:rPr>
                 <a:t>开发</a:t>
               </a:r>
-              <a:endParaRPr lang="zh-CN" altLang="en-US" sz="1100" dirty="0">
-                <a:solidFill>
-                  <a:schemeClr val="bg1"/>
-                </a:solidFill>
-                <a:latin typeface="微软雅黑" panose="020B0503020204020204" pitchFamily="34" charset="-122"/>
-                <a:ea typeface="微软雅黑" panose="020B0503020204020204" pitchFamily="34" charset="-122"/>
-              </a:endParaRPr>
             </a:p>
           </p:txBody>
         </p:sp>
@@ -6727,7 +7535,7 @@
           <p:spPr>
             <a:xfrm>
               <a:off x="960234" y="4208775"/>
-              <a:ext cx="1069304" cy="715581"/>
+              <a:ext cx="1069304" cy="923330"/>
             </a:xfrm>
             <a:prstGeom prst="rect">
               <a:avLst/>
@@ -6756,15 +7564,36 @@
                   <a:latin typeface="微软雅黑" panose="020B0503020204020204" pitchFamily="34" charset="-122"/>
                   <a:ea typeface="微软雅黑" panose="020B0503020204020204" pitchFamily="34" charset="-122"/>
                 </a:rPr>
-                <a:t>与代理对接，测试，并接入新代理</a:t>
+                <a:t>对接代理商，测试，并接入新代理，</a:t>
+              </a:r>
+              <a:r>
+                <a:rPr lang="zh-CN" altLang="zh-CN" sz="900" dirty="0">
+                  <a:solidFill>
+                    <a:schemeClr val="tx1">
+                      <a:lumMod val="65000"/>
+                      <a:lumOff val="35000"/>
+                    </a:schemeClr>
+                  </a:solidFill>
+                  <a:latin typeface="微软雅黑" panose="020B0503020204020204" pitchFamily="34" charset="-122"/>
+                  <a:ea typeface="微软雅黑" panose="020B0503020204020204" pitchFamily="34" charset="-122"/>
+                </a:rPr>
+                <a:t>旧代理降价</a:t>
+              </a:r>
+              <a:r>
+                <a:rPr lang="en-US" altLang="zh-CN" sz="900" dirty="0" smtClean="0">
+                  <a:latin typeface="微软雅黑" panose="020B0503020204020204" pitchFamily="34" charset="-122"/>
+                  <a:ea typeface="微软雅黑" panose="020B0503020204020204" pitchFamily="34" charset="-122"/>
+                </a:rPr>
+                <a:t>30</a:t>
+              </a:r>
+              <a:r>
+                <a:rPr lang="en-US" altLang="zh-CN" sz="900" dirty="0">
+                  <a:latin typeface="微软雅黑" panose="020B0503020204020204" pitchFamily="34" charset="-122"/>
+                  <a:ea typeface="微软雅黑" panose="020B0503020204020204" pitchFamily="34" charset="-122"/>
+                </a:rPr>
+                <a:t>%</a:t>
               </a:r>
               <a:endParaRPr lang="zh-CN" altLang="en-US" sz="900" dirty="0">
-                <a:solidFill>
-                  <a:schemeClr val="tx1">
-                    <a:lumMod val="65000"/>
-                    <a:lumOff val="35000"/>
-                  </a:schemeClr>
-                </a:solidFill>
                 <a:latin typeface="微软雅黑" panose="020B0503020204020204" pitchFamily="34" charset="-122"/>
                 <a:ea typeface="微软雅黑" panose="020B0503020204020204" pitchFamily="34" charset="-122"/>
               </a:endParaRPr>
@@ -6779,8 +7608,8 @@
           </p:nvSpPr>
           <p:spPr>
             <a:xfrm>
-              <a:off x="2203814" y="1933124"/>
-              <a:ext cx="1273869" cy="715581"/>
+              <a:off x="2029538" y="1959251"/>
+              <a:ext cx="1448145" cy="507831"/>
             </a:xfrm>
             <a:prstGeom prst="rect">
               <a:avLst/>
@@ -6858,8 +7687,8 @@
           </p:nvSpPr>
           <p:spPr>
             <a:xfrm>
-              <a:off x="979270" y="3083278"/>
-              <a:ext cx="1376666" cy="507831"/>
+              <a:off x="1040743" y="3056221"/>
+              <a:ext cx="1376666" cy="715581"/>
             </a:xfrm>
             <a:prstGeom prst="rect">
               <a:avLst/>
@@ -6927,18 +7756,54 @@
                   <a:latin typeface="微软雅黑" panose="020B0503020204020204" pitchFamily="34" charset="-122"/>
                   <a:ea typeface="微软雅黑" panose="020B0503020204020204" pitchFamily="34" charset="-122"/>
                 </a:rPr>
-                <a:t>通道费用异常原因，采取限流措施</a:t>
+                <a:t>通道费用异常原因，采取限流措施，节</a:t>
               </a:r>
-              <a:endParaRPr lang="zh-CN" altLang="zh-CN" sz="900" dirty="0">
-                <a:solidFill>
-                  <a:schemeClr val="tx1">
-                    <a:lumMod val="65000"/>
-                    <a:lumOff val="35000"/>
-                  </a:schemeClr>
-                </a:solidFill>
-                <a:latin typeface="微软雅黑" panose="020B0503020204020204" pitchFamily="34" charset="-122"/>
-                <a:ea typeface="微软雅黑" panose="020B0503020204020204" pitchFamily="34" charset="-122"/>
-              </a:endParaRPr>
+              <a:r>
+                <a:rPr lang="zh-CN" altLang="zh-CN" sz="900" dirty="0" smtClean="0">
+                  <a:solidFill>
+                    <a:schemeClr val="tx1">
+                      <a:lumMod val="65000"/>
+                      <a:lumOff val="35000"/>
+                    </a:schemeClr>
+                  </a:solidFill>
+                  <a:latin typeface="微软雅黑" panose="020B0503020204020204" pitchFamily="34" charset="-122"/>
+                  <a:ea typeface="微软雅黑" panose="020B0503020204020204" pitchFamily="34" charset="-122"/>
+                </a:rPr>
+                <a:t>省</a:t>
+              </a:r>
+              <a:r>
+                <a:rPr lang="zh-CN" altLang="zh-CN" sz="900" dirty="0">
+                  <a:solidFill>
+                    <a:schemeClr val="tx1">
+                      <a:lumMod val="65000"/>
+                      <a:lumOff val="35000"/>
+                    </a:schemeClr>
+                  </a:solidFill>
+                  <a:latin typeface="微软雅黑" panose="020B0503020204020204" pitchFamily="34" charset="-122"/>
+                  <a:ea typeface="微软雅黑" panose="020B0503020204020204" pitchFamily="34" charset="-122"/>
+                </a:rPr>
+                <a:t>费用</a:t>
+              </a:r>
+              <a:r>
+                <a:rPr lang="en-US" altLang="zh-CN" sz="900" dirty="0">
+                  <a:latin typeface="微软雅黑" panose="020B0503020204020204" pitchFamily="34" charset="-122"/>
+                  <a:ea typeface="微软雅黑" panose="020B0503020204020204" pitchFamily="34" charset="-122"/>
+                </a:rPr>
+                <a:t>90%</a:t>
+              </a:r>
+              <a:r>
+                <a:rPr lang="zh-CN" altLang="zh-CN" sz="900" dirty="0">
+                  <a:solidFill>
+                    <a:schemeClr val="tx1">
+                      <a:lumMod val="65000"/>
+                      <a:lumOff val="35000"/>
+                    </a:schemeClr>
+                  </a:solidFill>
+                  <a:latin typeface="微软雅黑" panose="020B0503020204020204" pitchFamily="34" charset="-122"/>
+                  <a:ea typeface="微软雅黑" panose="020B0503020204020204" pitchFamily="34" charset="-122"/>
+                </a:rPr>
+                <a:t>左右 </a:t>
+              </a:r>
             </a:p>
           </p:txBody>
         </p:sp>
@@ -6950,7 +7815,7 @@
           </p:nvSpPr>
           <p:spPr>
             <a:xfrm>
-              <a:off x="5636903" y="2005309"/>
+              <a:off x="5636903" y="2022727"/>
               <a:ext cx="2543694" cy="715581"/>
             </a:xfrm>
             <a:prstGeom prst="rect">
@@ -7112,6 +7977,19 @@
                 </a:rPr>
                 <a:t>结算</a:t>
               </a:r>
+              <a:r>
+                <a:rPr lang="zh-CN" altLang="en-US" sz="900" dirty="0" smtClean="0">
+                  <a:solidFill>
+                    <a:schemeClr val="tx1">
+                      <a:lumMod val="65000"/>
+                      <a:lumOff val="35000"/>
+                    </a:schemeClr>
+                  </a:solidFill>
+                  <a:latin typeface="微软雅黑" panose="020B0503020204020204" pitchFamily="34" charset="-122"/>
+                  <a:ea typeface="微软雅黑" panose="020B0503020204020204" pitchFamily="34" charset="-122"/>
+                </a:rPr>
+                <a:t>等</a:t>
+              </a:r>
               <a:endParaRPr lang="zh-CN" altLang="zh-CN" sz="900" dirty="0">
                 <a:solidFill>
                   <a:schemeClr val="tx1">
@@ -7182,16 +8060,6 @@
                 </a:rPr>
                 <a:t>迭代维护</a:t>
               </a:r>
-              <a:endParaRPr lang="zh-CN" altLang="en-US" sz="900" dirty="0">
-                <a:solidFill>
-                  <a:schemeClr val="tx1">
-                    <a:lumMod val="65000"/>
-                    <a:lumOff val="35000"/>
-                  </a:schemeClr>
-                </a:solidFill>
-                <a:latin typeface="微软雅黑" panose="020B0503020204020204" pitchFamily="34" charset="-122"/>
-                <a:ea typeface="微软雅黑" panose="020B0503020204020204" pitchFamily="34" charset="-122"/>
-              </a:endParaRPr>
             </a:p>
           </p:txBody>
         </p:sp>
@@ -7224,12 +8092,12 @@
           <a:effectLst/>
           <a:extLst>
             <a:ext uri="{909E8E84-426E-40dd-AFC4-6F175D3DCCD1}">
-              <a14:hiddenFill xmlns:a14="http://schemas.microsoft.com/office/drawing/2010/main" xmlns="">
+              <a14:hiddenFill xmlns="" xmlns:a14="http://schemas.microsoft.com/office/drawing/2010/main">
                 <a:noFill/>
               </a14:hiddenFill>
             </a:ext>
             <a:ext uri="{AF507438-7753-43e0-B8FC-AC1667EBCBE1}">
-              <a14:hiddenEffects xmlns:a14="http://schemas.microsoft.com/office/drawing/2010/main" xmlns="">
+              <a14:hiddenEffects xmlns="" xmlns:a14="http://schemas.microsoft.com/office/drawing/2010/main">
                 <a:effectLst>
                   <a:outerShdw dist="35921" dir="2700000" algn="ctr" rotWithShape="0">
                     <a:srgbClr val="808080"/>
@@ -7295,7 +8163,7 @@
         </p:nvSpPr>
         <p:spPr>
           <a:xfrm>
-            <a:off x="7145172" y="3878860"/>
+            <a:off x="7145172" y="3939823"/>
             <a:ext cx="1283790" cy="275588"/>
           </a:xfrm>
           <a:prstGeom prst="rect">
@@ -7386,7 +8254,7 @@
 </p:sld>
 </file>
 
-<file path=ppt/slides/slide6.xml><?xml version="1.0" encoding="utf-8"?>
+<file path=ppt/slides/slide7.xml><?xml version="1.0" encoding="utf-8"?>
 <p:sld xmlns:a="http://schemas.openxmlformats.org/drawingml/2006/main" xmlns:r="http://schemas.openxmlformats.org/officeDocument/2006/relationships" xmlns:p="http://schemas.openxmlformats.org/presentationml/2006/main">
   <p:cSld>
     <p:spTree>
@@ -7403,6 +8271,57 @@
           <a:chExt cx="0" cy="0"/>
         </a:xfrm>
       </p:grpSpPr>
+      <p:sp>
+        <p:nvSpPr>
+          <p:cNvPr id="25" name="Line 5"/>
+          <p:cNvSpPr>
+            <a:spLocks noChangeShapeType="1"/>
+          </p:cNvSpPr>
+          <p:nvPr/>
+        </p:nvSpPr>
+        <p:spPr bwMode="auto">
+          <a:xfrm>
+            <a:off x="923109" y="3161461"/>
+            <a:ext cx="6855041" cy="5406"/>
+          </a:xfrm>
+          <a:prstGeom prst="line">
+            <a:avLst/>
+          </a:prstGeom>
+          <a:noFill/>
+          <a:ln w="12700">
+            <a:solidFill>
+              <a:srgbClr val="FFC000"/>
+            </a:solidFill>
+            <a:round/>
+            <a:headEnd type="triangle"/>
+            <a:tailEnd type="triangle"/>
+          </a:ln>
+          <a:effectLst/>
+          <a:extLst>
+            <a:ext uri="{909E8E84-426E-40dd-AFC4-6F175D3DCCD1}">
+              <a14:hiddenFill xmlns="" xmlns:a14="http://schemas.microsoft.com/office/drawing/2010/main">
+                <a:noFill/>
+              </a14:hiddenFill>
+            </a:ext>
+            <a:ext uri="{AF507438-7753-43e0-B8FC-AC1667EBCBE1}">
+              <a14:hiddenEffects xmlns="" xmlns:a14="http://schemas.microsoft.com/office/drawing/2010/main">
+                <a:effectLst>
+                  <a:outerShdw dist="35921" dir="2700000" algn="ctr" rotWithShape="0">
+                    <a:srgbClr val="808080"/>
+                  </a:outerShdw>
+                </a:effectLst>
+              </a14:hiddenEffects>
+            </a:ext>
+          </a:extLst>
+        </p:spPr>
+        <p:txBody>
+          <a:bodyPr wrap="none" lIns="0" tIns="0" rIns="0" bIns="0" anchor="ctr"/>
+          <a:lstStyle/>
+          <a:p>
+            <a:endParaRPr lang="zh-CN" altLang="en-US"/>
+          </a:p>
+        </p:txBody>
+      </p:sp>
       <p:sp>
         <p:nvSpPr>
           <p:cNvPr id="9" name="标题 1"/>
@@ -7460,8 +8379,8 @@
         </p:nvSpPr>
         <p:spPr>
           <a:xfrm>
-            <a:off x="1854155" y="1345798"/>
-            <a:ext cx="5367988" cy="377411"/>
+            <a:off x="2620512" y="2930762"/>
+            <a:ext cx="2892018" cy="415498"/>
           </a:xfrm>
           <a:prstGeom prst="rect">
             <a:avLst/>
@@ -7515,7 +8434,7 @@
                 <a:latin typeface="微软雅黑" panose="020B0503020204020204" pitchFamily="34" charset="-122"/>
                 <a:ea typeface="微软雅黑" panose="020B0503020204020204" pitchFamily="34" charset="-122"/>
               </a:rPr>
-              <a:t>业务动态</a:t>
+              <a:t>技术动态</a:t>
             </a:r>
             <a:endParaRPr lang="en-US" altLang="zh-CN" sz="1400" b="1" dirty="0" smtClean="0">
               <a:solidFill>
@@ -7538,10 +8457,10 @@
         </p:nvGrpSpPr>
         <p:grpSpPr>
           <a:xfrm>
-            <a:off x="1988957" y="2222335"/>
-            <a:ext cx="4854715" cy="2140493"/>
-            <a:chOff x="1979432" y="2831918"/>
-            <a:chExt cx="5038485" cy="2221519"/>
+            <a:off x="1370654" y="2231040"/>
+            <a:ext cx="5405128" cy="2097496"/>
+            <a:chOff x="1337723" y="2831916"/>
+            <a:chExt cx="6168262" cy="2651302"/>
           </a:xfrm>
         </p:grpSpPr>
         <p:sp>
@@ -7552,7 +8471,7 @@
           </p:nvSpPr>
           <p:spPr>
             <a:xfrm rot="5400000">
-              <a:off x="4796398" y="2831918"/>
+              <a:off x="5284466" y="2831917"/>
               <a:ext cx="2221519" cy="2221519"/>
             </a:xfrm>
             <a:prstGeom prst="ellipse">
@@ -7599,7 +8518,7 @@
           </p:nvSpPr>
           <p:spPr>
             <a:xfrm rot="5400000">
-              <a:off x="4944752" y="2937006"/>
+              <a:off x="5432822" y="2937006"/>
               <a:ext cx="399873" cy="399873"/>
             </a:xfrm>
             <a:prstGeom prst="ellipse">
@@ -7693,8 +8612,8 @@
           </p:nvSpPr>
           <p:spPr>
             <a:xfrm rot="5400000">
-              <a:off x="1979432" y="2831918"/>
-              <a:ext cx="2221519" cy="2221519"/>
+              <a:off x="1337722" y="2831917"/>
+              <a:ext cx="2221519" cy="2221518"/>
             </a:xfrm>
             <a:prstGeom prst="ellipse">
               <a:avLst/>
@@ -7731,6 +8650,13 @@
               <a:schemeClr val="tx1"/>
             </a:fontRef>
           </p:style>
+          <p:txBody>
+            <a:bodyPr/>
+            <a:lstStyle/>
+            <a:p>
+              <a:endParaRPr lang="zh-CN" altLang="en-US" dirty="0"/>
+            </a:p>
+          </p:txBody>
         </p:sp>
         <p:sp>
           <p:nvSpPr>
@@ -7740,7 +8666,7 @@
           </p:nvSpPr>
           <p:spPr>
             <a:xfrm rot="5400000">
-              <a:off x="2127786" y="2937006"/>
+              <a:off x="1486068" y="2937006"/>
               <a:ext cx="399873" cy="399873"/>
             </a:xfrm>
             <a:prstGeom prst="ellipse">
@@ -7834,8 +8760,8 @@
           </p:nvSpPr>
           <p:spPr>
             <a:xfrm>
-              <a:off x="2728267" y="3155408"/>
-              <a:ext cx="537703" cy="303456"/>
+              <a:off x="2086549" y="3155408"/>
+              <a:ext cx="537706" cy="303456"/>
             </a:xfrm>
             <a:prstGeom prst="rect">
               <a:avLst/>
@@ -7882,8 +8808,8 @@
           </p:nvSpPr>
           <p:spPr>
             <a:xfrm>
-              <a:off x="5706732" y="3039178"/>
-              <a:ext cx="537703" cy="303456"/>
+              <a:off x="6194794" y="3039177"/>
+              <a:ext cx="537704" cy="303456"/>
             </a:xfrm>
             <a:prstGeom prst="rect">
               <a:avLst/>
@@ -7931,8 +8857,8 @@
           </p:nvSpPr>
           <p:spPr>
             <a:xfrm>
-              <a:off x="2088439" y="3738014"/>
-              <a:ext cx="2093036" cy="314836"/>
+              <a:off x="1396201" y="3528295"/>
+              <a:ext cx="2093037" cy="1954923"/>
             </a:xfrm>
             <a:prstGeom prst="rect">
               <a:avLst/>
@@ -7944,59 +8870,7 @@
             </a:bodyPr>
             <a:lstStyle/>
             <a:p>
-              <a:pPr>
-                <a:lnSpc>
-                  <a:spcPct val="150000"/>
-                </a:lnSpc>
-              </a:pPr>
-              <a:r>
-                <a:rPr lang="zh-CN" altLang="en-US" sz="1050" dirty="0">
-                  <a:solidFill>
-                    <a:schemeClr val="tx1">
-                      <a:lumMod val="65000"/>
-                      <a:lumOff val="35000"/>
-                    </a:schemeClr>
-                  </a:solidFill>
-                  <a:latin typeface="微软雅黑" panose="020B0503020204020204" pitchFamily="34" charset="-122"/>
-                  <a:ea typeface="微软雅黑" panose="020B0503020204020204" pitchFamily="34" charset="-122"/>
-                </a:rPr>
-                <a:t>扎实基础</a:t>
-              </a:r>
-              <a:endParaRPr lang="en-US" altLang="zh-CN" sz="1050" dirty="0">
-                <a:solidFill>
-                  <a:schemeClr val="tx1">
-                    <a:lumMod val="65000"/>
-                    <a:lumOff val="35000"/>
-                  </a:schemeClr>
-                </a:solidFill>
-                <a:latin typeface="微软雅黑" panose="020B0503020204020204" pitchFamily="34" charset="-122"/>
-                <a:ea typeface="微软雅黑" panose="020B0503020204020204" pitchFamily="34" charset="-122"/>
-              </a:endParaRPr>
-            </a:p>
-          </p:txBody>
-        </p:sp>
-        <p:sp>
-          <p:nvSpPr>
-            <p:cNvPr id="2" name="矩形 1"/>
-            <p:cNvSpPr/>
-            <p:nvPr/>
-          </p:nvSpPr>
-          <p:spPr>
-            <a:xfrm>
-              <a:off x="5019987" y="3710061"/>
-              <a:ext cx="1968343" cy="317764"/>
-            </a:xfrm>
-            <a:prstGeom prst="rect">
-              <a:avLst/>
-            </a:prstGeom>
-          </p:spPr>
-          <p:txBody>
-            <a:bodyPr wrap="square">
-              <a:spAutoFit/>
-            </a:bodyPr>
-            <a:lstStyle/>
-            <a:p>
-              <a:pPr>
+              <a:pPr algn="ctr">
                 <a:lnSpc>
                   <a:spcPct val="150000"/>
                 </a:lnSpc>
@@ -8012,8 +8886,218 @@
                   <a:latin typeface="微软雅黑" panose="020B0503020204020204" pitchFamily="34" charset="-122"/>
                   <a:ea typeface="微软雅黑" panose="020B0503020204020204" pitchFamily="34" charset="-122"/>
                 </a:rPr>
-                <a:t>多方位了解行业及前沿技术</a:t>
+                <a:t>巩固和扎实基础</a:t>
               </a:r>
+              <a:endParaRPr lang="en-US" altLang="zh-CN" sz="1050" dirty="0" smtClean="0">
+                <a:solidFill>
+                  <a:schemeClr val="tx1">
+                    <a:lumMod val="65000"/>
+                    <a:lumOff val="35000"/>
+                  </a:schemeClr>
+                </a:solidFill>
+                <a:latin typeface="微软雅黑" panose="020B0503020204020204" pitchFamily="34" charset="-122"/>
+                <a:ea typeface="微软雅黑" panose="020B0503020204020204" pitchFamily="34" charset="-122"/>
+              </a:endParaRPr>
+            </a:p>
+            <a:p>
+              <a:pPr algn="ctr">
+                <a:lnSpc>
+                  <a:spcPct val="150000"/>
+                </a:lnSpc>
+              </a:pPr>
+              <a:r>
+                <a:rPr lang="zh-CN" altLang="en-US" sz="1050" dirty="0" smtClean="0">
+                  <a:solidFill>
+                    <a:schemeClr val="tx1">
+                      <a:lumMod val="65000"/>
+                      <a:lumOff val="35000"/>
+                    </a:schemeClr>
+                  </a:solidFill>
+                  <a:latin typeface="微软雅黑" panose="020B0503020204020204" pitchFamily="34" charset="-122"/>
+                  <a:ea typeface="微软雅黑" panose="020B0503020204020204" pitchFamily="34" charset="-122"/>
+                </a:rPr>
+                <a:t>深入了解框架原理</a:t>
+              </a:r>
+              <a:endParaRPr lang="en-US" altLang="zh-CN" sz="1050" dirty="0" smtClean="0">
+                <a:solidFill>
+                  <a:schemeClr val="tx1">
+                    <a:lumMod val="65000"/>
+                    <a:lumOff val="35000"/>
+                  </a:schemeClr>
+                </a:solidFill>
+                <a:latin typeface="微软雅黑" panose="020B0503020204020204" pitchFamily="34" charset="-122"/>
+                <a:ea typeface="微软雅黑" panose="020B0503020204020204" pitchFamily="34" charset="-122"/>
+              </a:endParaRPr>
+            </a:p>
+            <a:p>
+              <a:pPr algn="ctr">
+                <a:lnSpc>
+                  <a:spcPct val="150000"/>
+                </a:lnSpc>
+              </a:pPr>
+              <a:r>
+                <a:rPr lang="zh-CN" altLang="en-US" sz="1050" dirty="0" smtClean="0">
+                  <a:solidFill>
+                    <a:schemeClr val="tx1">
+                      <a:lumMod val="65000"/>
+                      <a:lumOff val="35000"/>
+                    </a:schemeClr>
+                  </a:solidFill>
+                  <a:latin typeface="微软雅黑" panose="020B0503020204020204" pitchFamily="34" charset="-122"/>
+                  <a:ea typeface="微软雅黑" panose="020B0503020204020204" pitchFamily="34" charset="-122"/>
+                </a:rPr>
+                <a:t>提升设计能力</a:t>
+              </a:r>
+              <a:endParaRPr lang="en-US" altLang="zh-CN" sz="1050" dirty="0" smtClean="0">
+                <a:solidFill>
+                  <a:schemeClr val="tx1">
+                    <a:lumMod val="65000"/>
+                    <a:lumOff val="35000"/>
+                  </a:schemeClr>
+                </a:solidFill>
+                <a:latin typeface="微软雅黑" panose="020B0503020204020204" pitchFamily="34" charset="-122"/>
+                <a:ea typeface="微软雅黑" panose="020B0503020204020204" pitchFamily="34" charset="-122"/>
+              </a:endParaRPr>
+            </a:p>
+            <a:p>
+              <a:pPr>
+                <a:lnSpc>
+                  <a:spcPct val="150000"/>
+                </a:lnSpc>
+              </a:pPr>
+              <a:endParaRPr lang="en-US" altLang="zh-CN" sz="1050" dirty="0" smtClean="0">
+                <a:solidFill>
+                  <a:schemeClr val="tx1">
+                    <a:lumMod val="65000"/>
+                    <a:lumOff val="35000"/>
+                  </a:schemeClr>
+                </a:solidFill>
+                <a:latin typeface="微软雅黑" panose="020B0503020204020204" pitchFamily="34" charset="-122"/>
+                <a:ea typeface="微软雅黑" panose="020B0503020204020204" pitchFamily="34" charset="-122"/>
+              </a:endParaRPr>
+            </a:p>
+            <a:p>
+              <a:pPr>
+                <a:lnSpc>
+                  <a:spcPct val="150000"/>
+                </a:lnSpc>
+              </a:pPr>
+              <a:endParaRPr lang="en-US" altLang="zh-CN" sz="1050" dirty="0" smtClean="0">
+                <a:solidFill>
+                  <a:schemeClr val="tx1">
+                    <a:lumMod val="65000"/>
+                    <a:lumOff val="35000"/>
+                  </a:schemeClr>
+                </a:solidFill>
+                <a:latin typeface="微软雅黑" panose="020B0503020204020204" pitchFamily="34" charset="-122"/>
+                <a:ea typeface="微软雅黑" panose="020B0503020204020204" pitchFamily="34" charset="-122"/>
+              </a:endParaRPr>
+            </a:p>
+            <a:p>
+              <a:pPr>
+                <a:lnSpc>
+                  <a:spcPct val="150000"/>
+                </a:lnSpc>
+              </a:pPr>
+              <a:endParaRPr lang="en-US" altLang="zh-CN" sz="1050" dirty="0">
+                <a:solidFill>
+                  <a:schemeClr val="tx1">
+                    <a:lumMod val="65000"/>
+                    <a:lumOff val="35000"/>
+                  </a:schemeClr>
+                </a:solidFill>
+                <a:latin typeface="微软雅黑" panose="020B0503020204020204" pitchFamily="34" charset="-122"/>
+                <a:ea typeface="微软雅黑" panose="020B0503020204020204" pitchFamily="34" charset="-122"/>
+              </a:endParaRPr>
+            </a:p>
+          </p:txBody>
+        </p:sp>
+        <p:sp>
+          <p:nvSpPr>
+            <p:cNvPr id="2" name="矩形 1"/>
+            <p:cNvSpPr/>
+            <p:nvPr/>
+          </p:nvSpPr>
+          <p:spPr>
+            <a:xfrm>
+              <a:off x="5411054" y="3479113"/>
+              <a:ext cx="1968341" cy="999751"/>
+            </a:xfrm>
+            <a:prstGeom prst="rect">
+              <a:avLst/>
+            </a:prstGeom>
+          </p:spPr>
+          <p:txBody>
+            <a:bodyPr wrap="square">
+              <a:spAutoFit/>
+            </a:bodyPr>
+            <a:lstStyle/>
+            <a:p>
+              <a:pPr algn="ctr">
+                <a:lnSpc>
+                  <a:spcPct val="150000"/>
+                </a:lnSpc>
+              </a:pPr>
+              <a:r>
+                <a:rPr lang="zh-CN" altLang="en-US" sz="1050" dirty="0" smtClean="0">
+                  <a:solidFill>
+                    <a:schemeClr val="tx1">
+                      <a:lumMod val="65000"/>
+                      <a:lumOff val="35000"/>
+                    </a:schemeClr>
+                  </a:solidFill>
+                  <a:latin typeface="微软雅黑" panose="020B0503020204020204" pitchFamily="34" charset="-122"/>
+                  <a:ea typeface="微软雅黑" panose="020B0503020204020204" pitchFamily="34" charset="-122"/>
+                </a:rPr>
+                <a:t>多方位了解行业动态</a:t>
+              </a:r>
+              <a:endParaRPr lang="en-US" altLang="zh-CN" sz="1050" dirty="0" smtClean="0">
+                <a:solidFill>
+                  <a:schemeClr val="tx1">
+                    <a:lumMod val="65000"/>
+                    <a:lumOff val="35000"/>
+                  </a:schemeClr>
+                </a:solidFill>
+                <a:latin typeface="微软雅黑" panose="020B0503020204020204" pitchFamily="34" charset="-122"/>
+                <a:ea typeface="微软雅黑" panose="020B0503020204020204" pitchFamily="34" charset="-122"/>
+              </a:endParaRPr>
+            </a:p>
+            <a:p>
+              <a:pPr algn="ctr">
+                <a:lnSpc>
+                  <a:spcPct val="150000"/>
+                </a:lnSpc>
+              </a:pPr>
+              <a:r>
+                <a:rPr lang="zh-CN" altLang="en-US" sz="1050" dirty="0" smtClean="0">
+                  <a:solidFill>
+                    <a:schemeClr val="tx1">
+                      <a:lumMod val="65000"/>
+                      <a:lumOff val="35000"/>
+                    </a:schemeClr>
+                  </a:solidFill>
+                  <a:latin typeface="微软雅黑" panose="020B0503020204020204" pitchFamily="34" charset="-122"/>
+                  <a:ea typeface="微软雅黑" panose="020B0503020204020204" pitchFamily="34" charset="-122"/>
+                </a:rPr>
+                <a:t>关注并尝试前沿技术</a:t>
+              </a:r>
+              <a:endParaRPr lang="en-US" altLang="zh-CN" sz="1050" dirty="0" smtClean="0">
+                <a:solidFill>
+                  <a:schemeClr val="tx1">
+                    <a:lumMod val="65000"/>
+                    <a:lumOff val="35000"/>
+                  </a:schemeClr>
+                </a:solidFill>
+                <a:latin typeface="微软雅黑" panose="020B0503020204020204" pitchFamily="34" charset="-122"/>
+                <a:ea typeface="微软雅黑" panose="020B0503020204020204" pitchFamily="34" charset="-122"/>
+              </a:endParaRPr>
+            </a:p>
+            <a:p>
+              <a:pPr>
+                <a:lnSpc>
+                  <a:spcPct val="150000"/>
+                </a:lnSpc>
+              </a:pPr>
               <a:endParaRPr lang="en-US" altLang="zh-CN" sz="1050" dirty="0">
                 <a:solidFill>
                   <a:schemeClr val="tx1">
@@ -8028,57 +9112,6 @@
           </p:txBody>
         </p:sp>
       </p:grpSp>
-      <p:sp>
-        <p:nvSpPr>
-          <p:cNvPr id="25" name="Line 5"/>
-          <p:cNvSpPr>
-            <a:spLocks noChangeShapeType="1"/>
-          </p:cNvSpPr>
-          <p:nvPr/>
-        </p:nvSpPr>
-        <p:spPr bwMode="auto">
-          <a:xfrm>
-            <a:off x="1298149" y="1834455"/>
-            <a:ext cx="6480000" cy="0"/>
-          </a:xfrm>
-          <a:prstGeom prst="line">
-            <a:avLst/>
-          </a:prstGeom>
-          <a:noFill/>
-          <a:ln w="12700">
-            <a:solidFill>
-              <a:srgbClr val="FFC000"/>
-            </a:solidFill>
-            <a:round/>
-            <a:headEnd type="triangle"/>
-            <a:tailEnd type="triangle"/>
-          </a:ln>
-          <a:effectLst/>
-          <a:extLst>
-            <a:ext uri="{909E8E84-426E-40dd-AFC4-6F175D3DCCD1}">
-              <a14:hiddenFill xmlns:a14="http://schemas.microsoft.com/office/drawing/2010/main" xmlns="">
-                <a:noFill/>
-              </a14:hiddenFill>
-            </a:ext>
-            <a:ext uri="{AF507438-7753-43e0-B8FC-AC1667EBCBE1}">
-              <a14:hiddenEffects xmlns:a14="http://schemas.microsoft.com/office/drawing/2010/main" xmlns="">
-                <a:effectLst>
-                  <a:outerShdw dist="35921" dir="2700000" algn="ctr" rotWithShape="0">
-                    <a:srgbClr val="808080"/>
-                  </a:outerShdw>
-                </a:effectLst>
-              </a14:hiddenEffects>
-            </a:ext>
-          </a:extLst>
-        </p:spPr>
-        <p:txBody>
-          <a:bodyPr wrap="none" lIns="0" tIns="0" rIns="0" bIns="0" anchor="ctr"/>
-          <a:lstStyle/>
-          <a:p>
-            <a:endParaRPr lang="zh-CN" altLang="en-US"/>
-          </a:p>
-        </p:txBody>
-      </p:sp>
     </p:spTree>
     <p:extLst>
       <p:ext uri="{BB962C8B-B14F-4D97-AF65-F5344CB8AC3E}">
@@ -8099,7 +9132,7 @@
 </p:sld>
 </file>
 
-<file path=ppt/slides/slide7.xml><?xml version="1.0" encoding="utf-8"?>
+<file path=ppt/slides/slide8.xml><?xml version="1.0" encoding="utf-8"?>
 <p:sld xmlns:a="http://schemas.openxmlformats.org/drawingml/2006/main" xmlns:r="http://schemas.openxmlformats.org/officeDocument/2006/relationships" xmlns:p="http://schemas.openxmlformats.org/presentationml/2006/main">
   <p:cSld>
     <p:spTree>
@@ -8124,8 +9157,8 @@
         </p:nvSpPr>
         <p:spPr>
           <a:xfrm>
-            <a:off x="2238989" y="1699840"/>
-            <a:ext cx="4560822" cy="2806922"/>
+            <a:off x="2238988" y="1699840"/>
+            <a:ext cx="4819035" cy="3194721"/>
           </a:xfrm>
           <a:prstGeom prst="rect">
             <a:avLst/>
@@ -8381,7 +9414,35 @@
                 <a:ea typeface="Microsoft JhengHei" panose="020B0604030504040204" pitchFamily="34" charset="-120"/>
                 <a:cs typeface="Times New Roman" panose="02020603050405020304" pitchFamily="18" charset="0"/>
               </a:rPr>
-              <a:t>品牌重塑 全球营销（独立电商）</a:t>
+              <a:t>关注行业动态和前沿技术</a:t>
+            </a:r>
+            <a:r>
+              <a:rPr lang="en-US" altLang="zh-CN" sz="1400" kern="100" dirty="0" smtClean="0">
+                <a:solidFill>
+                  <a:schemeClr val="tx1">
+                    <a:lumMod val="75000"/>
+                    <a:lumOff val="25000"/>
+                  </a:schemeClr>
+                </a:solidFill>
+                <a:latin typeface="Microsoft JhengHei" panose="020B0604030504040204" pitchFamily="34" charset="-120"/>
+                <a:ea typeface="Microsoft JhengHei" panose="020B0604030504040204" pitchFamily="34" charset="-120"/>
+                <a:cs typeface="Times New Roman" panose="02020603050405020304" pitchFamily="18" charset="0"/>
+              </a:rPr>
+              <a:t>, </a:t>
+            </a:r>
+            <a:r>
+              <a:rPr lang="zh-CN" altLang="en-US" sz="1400" kern="100" dirty="0" smtClean="0">
+                <a:solidFill>
+                  <a:schemeClr val="tx1">
+                    <a:lumMod val="75000"/>
+                    <a:lumOff val="25000"/>
+                  </a:schemeClr>
+                </a:solidFill>
+                <a:latin typeface="Microsoft JhengHei" panose="020B0604030504040204" pitchFamily="34" charset="-120"/>
+                <a:ea typeface="Microsoft JhengHei" panose="020B0604030504040204" pitchFamily="34" charset="-120"/>
+                <a:cs typeface="Times New Roman" panose="02020603050405020304" pitchFamily="18" charset="0"/>
+              </a:rPr>
+              <a:t>驱动项目发展</a:t>
             </a:r>
             <a:endParaRPr lang="en-US" altLang="zh-CN" sz="1400" kern="100" dirty="0" smtClean="0">
               <a:solidFill>
@@ -8440,7 +9501,7 @@
               <a:t>YAPP</a:t>
             </a:r>
             <a:r>
-              <a:rPr lang="zh-CN" altLang="en-US" sz="1400" kern="100" dirty="0" smtClean="0">
+              <a:rPr lang="zh-CN" altLang="en-US" sz="1400" kern="100" dirty="0">
                 <a:solidFill>
                   <a:schemeClr val="tx1">
                     <a:lumMod val="75000"/>
@@ -8451,9 +9512,9 @@
                 <a:ea typeface="Microsoft JhengHei" panose="020B0604030504040204" pitchFamily="34" charset="-120"/>
                 <a:cs typeface="Times New Roman" panose="02020603050405020304" pitchFamily="18" charset="0"/>
               </a:rPr>
-              <a:t>的完善</a:t>
-            </a:r>
-            <a:endParaRPr lang="zh-CN" altLang="en-US" sz="1400" dirty="0">
+              <a:t>完善</a:t>
+            </a:r>
+            <a:endParaRPr lang="en-US" altLang="zh-CN" sz="1400" kern="100" dirty="0">
               <a:solidFill>
                 <a:schemeClr val="tx1">
                   <a:lumMod val="75000"/>
@@ -8462,6 +9523,28 @@
               </a:solidFill>
               <a:latin typeface="Microsoft JhengHei" panose="020B0604030504040204" pitchFamily="34" charset="-120"/>
               <a:ea typeface="Microsoft JhengHei" panose="020B0604030504040204" pitchFamily="34" charset="-120"/>
+              <a:cs typeface="Times New Roman" panose="02020603050405020304" pitchFamily="18" charset="0"/>
+            </a:endParaRPr>
+          </a:p>
+          <a:p>
+            <a:pPr algn="just">
+              <a:lnSpc>
+                <a:spcPct val="180000"/>
+              </a:lnSpc>
+              <a:spcAft>
+                <a:spcPts val="0"/>
+              </a:spcAft>
+            </a:pPr>
+            <a:endParaRPr lang="en-US" altLang="zh-CN" sz="1400" kern="100" dirty="0">
+              <a:solidFill>
+                <a:schemeClr val="tx1">
+                  <a:lumMod val="75000"/>
+                  <a:lumOff val="25000"/>
+                </a:schemeClr>
+              </a:solidFill>
+              <a:latin typeface="Microsoft JhengHei" panose="020B0604030504040204" pitchFamily="34" charset="-120"/>
+              <a:ea typeface="Microsoft JhengHei" panose="020B0604030504040204" pitchFamily="34" charset="-120"/>
+              <a:cs typeface="Times New Roman" panose="02020603050405020304" pitchFamily="18" charset="0"/>
             </a:endParaRPr>
           </a:p>
         </p:txBody>
@@ -9211,7 +10294,7 @@
 </p:sld>
 </file>
 
-<file path=ppt/slides/slide8.xml><?xml version="1.0" encoding="utf-8"?>
+<file path=ppt/slides/slide9.xml><?xml version="1.0" encoding="utf-8"?>
 <p:sld xmlns:a="http://schemas.openxmlformats.org/drawingml/2006/main" xmlns:r="http://schemas.openxmlformats.org/officeDocument/2006/relationships" xmlns:p="http://schemas.openxmlformats.org/presentationml/2006/main">
   <p:cSld>
     <p:spTree>
@@ -9334,7 +10417,7 @@
                 <a:latin typeface="微软雅黑" panose="020B0503020204020204" pitchFamily="34" charset="-122"/>
                 <a:ea typeface="微软雅黑" panose="020B0503020204020204" pitchFamily="34" charset="-122"/>
               </a:rPr>
-              <a:t>感谢收听</a:t>
+              <a:t>感谢</a:t>
             </a:r>
             <a:r>
               <a:rPr lang="en-US" altLang="zh-CN" sz="2000" dirty="0" smtClean="0">

--- a/申请/马爱莲-广告平台BU-国际业务部-产品技术组-申请职级T5.pptx
+++ b/申请/马爱莲-广告平台BU-国际业务部-产品技术组-申请职级T5.pptx
@@ -5446,57 +5446,6 @@
       </p:grpSp>
       <p:sp>
         <p:nvSpPr>
-          <p:cNvPr id="23" name="Line 5"/>
-          <p:cNvSpPr>
-            <a:spLocks noChangeShapeType="1"/>
-          </p:cNvSpPr>
-          <p:nvPr/>
-        </p:nvSpPr>
-        <p:spPr bwMode="auto">
-          <a:xfrm>
-            <a:off x="2203814" y="1327877"/>
-            <a:ext cx="4680000" cy="0"/>
-          </a:xfrm>
-          <a:prstGeom prst="line">
-            <a:avLst/>
-          </a:prstGeom>
-          <a:noFill/>
-          <a:ln w="9525">
-            <a:solidFill>
-              <a:srgbClr val="AEABAB"/>
-            </a:solidFill>
-            <a:round/>
-            <a:headEnd type="none" w="med" len="med"/>
-            <a:tailEnd type="none" w="med" len="med"/>
-          </a:ln>
-          <a:effectLst/>
-          <a:extLst>
-            <a:ext uri="{909E8E84-426E-40dd-AFC4-6F175D3DCCD1}">
-              <a14:hiddenFill xmlns="" xmlns:a14="http://schemas.microsoft.com/office/drawing/2010/main">
-                <a:noFill/>
-              </a14:hiddenFill>
-            </a:ext>
-            <a:ext uri="{AF507438-7753-43e0-B8FC-AC1667EBCBE1}">
-              <a14:hiddenEffects xmlns="" xmlns:a14="http://schemas.microsoft.com/office/drawing/2010/main">
-                <a:effectLst>
-                  <a:outerShdw dist="35921" dir="2700000" algn="ctr" rotWithShape="0">
-                    <a:srgbClr val="808080"/>
-                  </a:outerShdw>
-                </a:effectLst>
-              </a14:hiddenEffects>
-            </a:ext>
-          </a:extLst>
-        </p:spPr>
-        <p:txBody>
-          <a:bodyPr wrap="none" lIns="0" tIns="0" rIns="0" bIns="0" anchor="ctr"/>
-          <a:lstStyle/>
-          <a:p>
-            <a:endParaRPr lang="zh-CN" altLang="en-US"/>
-          </a:p>
-        </p:txBody>
-      </p:sp>
-      <p:sp>
-        <p:nvSpPr>
           <p:cNvPr id="25" name="文本框 24"/>
           <p:cNvSpPr txBox="1"/>
           <p:nvPr/>
@@ -5995,9 +5944,9 @@
         <p:grpSpPr>
           <a:xfrm>
             <a:off x="789708" y="1548116"/>
-            <a:ext cx="7407689" cy="3311398"/>
+            <a:ext cx="7596303" cy="3311398"/>
             <a:chOff x="789708" y="1947118"/>
-            <a:chExt cx="7407689" cy="3311398"/>
+            <a:chExt cx="7596303" cy="3311398"/>
           </a:xfrm>
         </p:grpSpPr>
         <p:pic>
@@ -6033,7 +5982,7 @@
           <p:spPr>
             <a:xfrm>
               <a:off x="7153965" y="4248228"/>
-              <a:ext cx="1043432" cy="507831"/>
+              <a:ext cx="1232046" cy="715581"/>
             </a:xfrm>
             <a:prstGeom prst="rect">
               <a:avLst/>
@@ -6063,6 +6012,36 @@
                   <a:ea typeface="微软雅黑" panose="020B0503020204020204" pitchFamily="34" charset="-122"/>
                 </a:rPr>
                 <a:t>高效快速交付，持续关注</a:t>
+              </a:r>
+              <a:endParaRPr lang="en-US" altLang="zh-CN" sz="900" dirty="0" smtClean="0">
+                <a:solidFill>
+                  <a:schemeClr val="tx1">
+                    <a:lumMod val="65000"/>
+                    <a:lumOff val="35000"/>
+                  </a:schemeClr>
+                </a:solidFill>
+                <a:latin typeface="微软雅黑" panose="020B0503020204020204" pitchFamily="34" charset="-122"/>
+                <a:ea typeface="微软雅黑" panose="020B0503020204020204" pitchFamily="34" charset="-122"/>
+              </a:endParaRPr>
+            </a:p>
+            <a:p>
+              <a:pPr>
+                <a:lnSpc>
+                  <a:spcPct val="150000"/>
+                </a:lnSpc>
+              </a:pPr>
+              <a:r>
+                <a:rPr lang="zh-CN" altLang="en-US" sz="900" dirty="0" smtClean="0">
+                  <a:solidFill>
+                    <a:schemeClr val="tx1">
+                      <a:lumMod val="65000"/>
+                      <a:lumOff val="35000"/>
+                    </a:schemeClr>
+                  </a:solidFill>
+                  <a:latin typeface="微软雅黑" panose="020B0503020204020204" pitchFamily="34" charset="-122"/>
+                  <a:ea typeface="微软雅黑" panose="020B0503020204020204" pitchFamily="34" charset="-122"/>
+                </a:rPr>
+                <a:t>对其他同事提供支持</a:t>
               </a:r>
               <a:endParaRPr lang="zh-CN" altLang="en-US" sz="900" dirty="0">
                 <a:solidFill>
@@ -6963,64 +6942,13 @@
       </p:grpSp>
       <p:sp>
         <p:nvSpPr>
-          <p:cNvPr id="23" name="Line 5"/>
-          <p:cNvSpPr>
-            <a:spLocks noChangeShapeType="1"/>
-          </p:cNvSpPr>
-          <p:nvPr/>
-        </p:nvSpPr>
-        <p:spPr bwMode="auto">
-          <a:xfrm>
-            <a:off x="2203814" y="1327877"/>
-            <a:ext cx="4680000" cy="0"/>
-          </a:xfrm>
-          <a:prstGeom prst="line">
-            <a:avLst/>
-          </a:prstGeom>
-          <a:noFill/>
-          <a:ln w="9525">
-            <a:solidFill>
-              <a:srgbClr val="AEABAB"/>
-            </a:solidFill>
-            <a:round/>
-            <a:headEnd type="none" w="med" len="med"/>
-            <a:tailEnd type="none" w="med" len="med"/>
-          </a:ln>
-          <a:effectLst/>
-          <a:extLst>
-            <a:ext uri="{909E8E84-426E-40dd-AFC4-6F175D3DCCD1}">
-              <a14:hiddenFill xmlns="" xmlns:a14="http://schemas.microsoft.com/office/drawing/2010/main">
-                <a:noFill/>
-              </a14:hiddenFill>
-            </a:ext>
-            <a:ext uri="{AF507438-7753-43e0-B8FC-AC1667EBCBE1}">
-              <a14:hiddenEffects xmlns="" xmlns:a14="http://schemas.microsoft.com/office/drawing/2010/main">
-                <a:effectLst>
-                  <a:outerShdw dist="35921" dir="2700000" algn="ctr" rotWithShape="0">
-                    <a:srgbClr val="808080"/>
-                  </a:outerShdw>
-                </a:effectLst>
-              </a14:hiddenEffects>
-            </a:ext>
-          </a:extLst>
-        </p:spPr>
-        <p:txBody>
-          <a:bodyPr wrap="none" lIns="0" tIns="0" rIns="0" bIns="0" anchor="ctr"/>
-          <a:lstStyle/>
-          <a:p>
-            <a:endParaRPr lang="zh-CN" altLang="en-US"/>
-          </a:p>
-        </p:txBody>
-      </p:sp>
-      <p:sp>
-        <p:nvSpPr>
           <p:cNvPr id="25" name="文本框 24"/>
           <p:cNvSpPr txBox="1"/>
           <p:nvPr/>
         </p:nvSpPr>
         <p:spPr>
           <a:xfrm>
-            <a:off x="4014377" y="3819463"/>
+            <a:off x="4038441" y="3807431"/>
             <a:ext cx="953404" cy="584775"/>
           </a:xfrm>
           <a:prstGeom prst="rect">
@@ -7174,10 +7102,10 @@
         </p:nvGrpSpPr>
         <p:grpSpPr>
           <a:xfrm>
-            <a:off x="960234" y="1548116"/>
-            <a:ext cx="7220363" cy="3311398"/>
-            <a:chOff x="960234" y="1947118"/>
-            <a:chExt cx="7220363" cy="3311398"/>
+            <a:off x="823927" y="1548116"/>
+            <a:ext cx="7356670" cy="3311398"/>
+            <a:chOff x="823927" y="1947118"/>
+            <a:chExt cx="7356670" cy="3311398"/>
           </a:xfrm>
         </p:grpSpPr>
         <p:pic>
@@ -7608,7 +7536,7 @@
           </p:nvSpPr>
           <p:spPr>
             <a:xfrm>
-              <a:off x="2029538" y="1959251"/>
+              <a:off x="2047943" y="1985783"/>
               <a:ext cx="1448145" cy="507831"/>
             </a:xfrm>
             <a:prstGeom prst="rect">
@@ -7687,8 +7615,8 @@
           </p:nvSpPr>
           <p:spPr>
             <a:xfrm>
-              <a:off x="1040743" y="3056221"/>
-              <a:ext cx="1376666" cy="715581"/>
+              <a:off x="823927" y="2827617"/>
+              <a:ext cx="1593482" cy="923330"/>
             </a:xfrm>
             <a:prstGeom prst="rect">
               <a:avLst/>
@@ -7707,19 +7635,6 @@
                 </a:lnSpc>
               </a:pPr>
               <a:r>
-                <a:rPr lang="zh-CN" altLang="en-US" sz="900" dirty="0">
-                  <a:solidFill>
-                    <a:schemeClr val="tx1">
-                      <a:lumMod val="65000"/>
-                      <a:lumOff val="35000"/>
-                    </a:schemeClr>
-                  </a:solidFill>
-                  <a:latin typeface="微软雅黑" panose="020B0503020204020204" pitchFamily="34" charset="-122"/>
-                  <a:ea typeface="微软雅黑" panose="020B0503020204020204" pitchFamily="34" charset="-122"/>
-                </a:rPr>
-                <a:t>排</a:t>
-              </a:r>
-              <a:r>
                 <a:rPr lang="zh-CN" altLang="en-US" sz="900" dirty="0" smtClean="0">
                   <a:solidFill>
                     <a:schemeClr val="tx1">
@@ -7730,7 +7645,7 @@
                   <a:latin typeface="微软雅黑" panose="020B0503020204020204" pitchFamily="34" charset="-122"/>
                   <a:ea typeface="微软雅黑" panose="020B0503020204020204" pitchFamily="34" charset="-122"/>
                 </a:rPr>
-                <a:t>查</a:t>
+                <a:t>充分利用代理服务，排查</a:t>
               </a:r>
               <a:r>
                 <a:rPr lang="en-US" altLang="zh-CN" sz="900" dirty="0" smtClean="0">
@@ -8066,57 +7981,6 @@
       </p:grpSp>
       <p:sp>
         <p:nvSpPr>
-          <p:cNvPr id="23" name="Line 5"/>
-          <p:cNvSpPr>
-            <a:spLocks noChangeShapeType="1"/>
-          </p:cNvSpPr>
-          <p:nvPr/>
-        </p:nvSpPr>
-        <p:spPr bwMode="auto">
-          <a:xfrm>
-            <a:off x="2203814" y="1327877"/>
-            <a:ext cx="4680000" cy="0"/>
-          </a:xfrm>
-          <a:prstGeom prst="line">
-            <a:avLst/>
-          </a:prstGeom>
-          <a:noFill/>
-          <a:ln w="9525">
-            <a:solidFill>
-              <a:srgbClr val="AEABAB"/>
-            </a:solidFill>
-            <a:round/>
-            <a:headEnd type="none" w="med" len="med"/>
-            <a:tailEnd type="none" w="med" len="med"/>
-          </a:ln>
-          <a:effectLst/>
-          <a:extLst>
-            <a:ext uri="{909E8E84-426E-40dd-AFC4-6F175D3DCCD1}">
-              <a14:hiddenFill xmlns="" xmlns:a14="http://schemas.microsoft.com/office/drawing/2010/main">
-                <a:noFill/>
-              </a14:hiddenFill>
-            </a:ext>
-            <a:ext uri="{AF507438-7753-43e0-B8FC-AC1667EBCBE1}">
-              <a14:hiddenEffects xmlns="" xmlns:a14="http://schemas.microsoft.com/office/drawing/2010/main">
-                <a:effectLst>
-                  <a:outerShdw dist="35921" dir="2700000" algn="ctr" rotWithShape="0">
-                    <a:srgbClr val="808080"/>
-                  </a:outerShdw>
-                </a:effectLst>
-              </a14:hiddenEffects>
-            </a:ext>
-          </a:extLst>
-        </p:spPr>
-        <p:txBody>
-          <a:bodyPr wrap="none" lIns="0" tIns="0" rIns="0" bIns="0" anchor="ctr"/>
-          <a:lstStyle/>
-          <a:p>
-            <a:endParaRPr lang="zh-CN" altLang="en-US"/>
-          </a:p>
-        </p:txBody>
-      </p:sp>
-      <p:sp>
-        <p:nvSpPr>
           <p:cNvPr id="25" name="文本框 24"/>
           <p:cNvSpPr txBox="1"/>
           <p:nvPr/>
@@ -8281,7 +8145,7 @@
         </p:nvSpPr>
         <p:spPr bwMode="auto">
           <a:xfrm>
-            <a:off x="923109" y="3161461"/>
+            <a:off x="923109" y="2968954"/>
             <a:ext cx="6855041" cy="5406"/>
           </a:xfrm>
           <a:prstGeom prst="line">
@@ -8379,7 +8243,7 @@
         </p:nvSpPr>
         <p:spPr>
           <a:xfrm>
-            <a:off x="2620512" y="2930762"/>
+            <a:off x="3246164" y="2738255"/>
             <a:ext cx="2892018" cy="415498"/>
           </a:xfrm>
           <a:prstGeom prst="rect">
@@ -8457,10 +8321,10 @@
         </p:nvGrpSpPr>
         <p:grpSpPr>
           <a:xfrm>
-            <a:off x="1370654" y="2231040"/>
-            <a:ext cx="5405128" cy="2097496"/>
+            <a:off x="1370654" y="1966342"/>
+            <a:ext cx="6798788" cy="2665813"/>
             <a:chOff x="1337723" y="2831916"/>
-            <a:chExt cx="6168262" cy="2651302"/>
+            <a:chExt cx="6168262" cy="2759955"/>
           </a:xfrm>
         </p:grpSpPr>
         <p:sp>
@@ -8509,6 +8373,13 @@
               <a:schemeClr val="tx1"/>
             </a:fontRef>
           </p:style>
+          <p:txBody>
+            <a:bodyPr/>
+            <a:lstStyle/>
+            <a:p>
+              <a:endParaRPr lang="zh-CN" altLang="en-US" dirty="0"/>
+            </a:p>
+          </p:txBody>
         </p:sp>
         <p:sp>
           <p:nvSpPr>
@@ -8760,7 +8631,7 @@
           </p:nvSpPr>
           <p:spPr>
             <a:xfrm>
-              <a:off x="2086549" y="3155408"/>
+              <a:off x="2117841" y="2939364"/>
               <a:ext cx="537706" cy="303456"/>
             </a:xfrm>
             <a:prstGeom prst="rect">
@@ -8808,8 +8679,8 @@
           </p:nvSpPr>
           <p:spPr>
             <a:xfrm>
-              <a:off x="6194794" y="3039177"/>
-              <a:ext cx="537704" cy="303456"/>
+              <a:off x="6084948" y="2887092"/>
+              <a:ext cx="537705" cy="303456"/>
             </a:xfrm>
             <a:prstGeom prst="rect">
               <a:avLst/>
@@ -8857,8 +8728,8 @@
           </p:nvSpPr>
           <p:spPr>
             <a:xfrm>
-              <a:off x="1396201" y="3528295"/>
-              <a:ext cx="2093037" cy="1954923"/>
+              <a:off x="1396201" y="3330580"/>
+              <a:ext cx="2093037" cy="2261291"/>
             </a:xfrm>
             <a:prstGeom prst="rect">
               <a:avLst/>
@@ -8936,6 +8807,36 @@
                 </a:lnSpc>
               </a:pPr>
               <a:r>
+                <a:rPr lang="zh-CN" altLang="en-US" sz="1050" dirty="0">
+                  <a:solidFill>
+                    <a:schemeClr val="tx1">
+                      <a:lumMod val="65000"/>
+                      <a:lumOff val="35000"/>
+                    </a:schemeClr>
+                  </a:solidFill>
+                  <a:latin typeface="微软雅黑" panose="020B0503020204020204" pitchFamily="34" charset="-122"/>
+                  <a:ea typeface="微软雅黑" panose="020B0503020204020204" pitchFamily="34" charset="-122"/>
+                </a:rPr>
+                <a:t>系统架构和整体把控能力</a:t>
+              </a:r>
+              <a:endParaRPr lang="en-US" altLang="zh-CN" sz="1050" dirty="0" smtClean="0">
+                <a:solidFill>
+                  <a:schemeClr val="tx1">
+                    <a:lumMod val="65000"/>
+                    <a:lumOff val="35000"/>
+                  </a:schemeClr>
+                </a:solidFill>
+                <a:latin typeface="微软雅黑" panose="020B0503020204020204" pitchFamily="34" charset="-122"/>
+                <a:ea typeface="微软雅黑" panose="020B0503020204020204" pitchFamily="34" charset="-122"/>
+              </a:endParaRPr>
+            </a:p>
+            <a:p>
+              <a:pPr algn="ctr">
+                <a:lnSpc>
+                  <a:spcPct val="150000"/>
+                </a:lnSpc>
+              </a:pPr>
+              <a:r>
                 <a:rPr lang="zh-CN" altLang="en-US" sz="1050" dirty="0" smtClean="0">
                   <a:solidFill>
                     <a:schemeClr val="tx1">
@@ -8946,7 +8847,7 @@
                   <a:latin typeface="微软雅黑" panose="020B0503020204020204" pitchFamily="34" charset="-122"/>
                   <a:ea typeface="微软雅黑" panose="020B0503020204020204" pitchFamily="34" charset="-122"/>
                 </a:rPr>
-                <a:t>提升设计能力</a:t>
+                <a:t>设计能力</a:t>
               </a:r>
               <a:endParaRPr lang="en-US" altLang="zh-CN" sz="1050" dirty="0" smtClean="0">
                 <a:solidFill>
@@ -9020,8 +8921,8 @@
           </p:nvSpPr>
           <p:spPr>
             <a:xfrm>
-              <a:off x="5411054" y="3479113"/>
-              <a:ext cx="1968341" cy="999751"/>
+              <a:off x="5411054" y="3296609"/>
+              <a:ext cx="1968341" cy="1648552"/>
             </a:xfrm>
             <a:prstGeom prst="rect">
               <a:avLst/>
@@ -9079,7 +8980,37 @@
                   <a:latin typeface="微软雅黑" panose="020B0503020204020204" pitchFamily="34" charset="-122"/>
                   <a:ea typeface="微软雅黑" panose="020B0503020204020204" pitchFamily="34" charset="-122"/>
                 </a:rPr>
-                <a:t>关注并尝试前沿技术</a:t>
+                <a:t>关注前沿技术</a:t>
+              </a:r>
+              <a:endParaRPr lang="en-US" altLang="zh-CN" sz="1050" dirty="0" smtClean="0">
+                <a:solidFill>
+                  <a:schemeClr val="tx1">
+                    <a:lumMod val="65000"/>
+                    <a:lumOff val="35000"/>
+                  </a:schemeClr>
+                </a:solidFill>
+                <a:latin typeface="微软雅黑" panose="020B0503020204020204" pitchFamily="34" charset="-122"/>
+                <a:ea typeface="微软雅黑" panose="020B0503020204020204" pitchFamily="34" charset="-122"/>
+              </a:endParaRPr>
+            </a:p>
+            <a:p>
+              <a:pPr algn="ctr">
+                <a:lnSpc>
+                  <a:spcPct val="150000"/>
+                </a:lnSpc>
+              </a:pPr>
+              <a:r>
+                <a:rPr lang="zh-CN" altLang="en-US" sz="1050" dirty="0" smtClean="0">
+                  <a:solidFill>
+                    <a:schemeClr val="tx1">
+                      <a:lumMod val="65000"/>
+                      <a:lumOff val="35000"/>
+                    </a:schemeClr>
+                  </a:solidFill>
+                  <a:latin typeface="微软雅黑" panose="020B0503020204020204" pitchFamily="34" charset="-122"/>
+                  <a:ea typeface="微软雅黑" panose="020B0503020204020204" pitchFamily="34" charset="-122"/>
+                </a:rPr>
+                <a:t>尝试新技术，驱动项目发展</a:t>
               </a:r>
               <a:endParaRPr lang="en-US" altLang="zh-CN" sz="1050" dirty="0" smtClean="0">
                 <a:solidFill>
